--- a/lab/lab3/lab3Pic.pptx
+++ b/lab/lab3/lab3Pic.pptx
@@ -6,6 +6,9 @@
   </p:sldMasterIdLst>
   <p:sldIdLst>
     <p:sldId id="256" r:id="rId2"/>
+    <p:sldId id="258" r:id="rId3"/>
+    <p:sldId id="257" r:id="rId4"/>
+    <p:sldId id="259" r:id="rId5"/>
   </p:sldIdLst>
   <p:sldSz cx="12192000" cy="6858000"/>
   <p:notesSz cx="6858000" cy="9144000"/>
@@ -117,6 +120,11 @@
             <a:srgbClr val="A4A3A4"/>
           </p15:clr>
         </p15:guide>
+        <p15:guide id="3" pos="3840">
+          <p15:clr>
+            <a:srgbClr val="A4A3A4"/>
+          </p15:clr>
+        </p15:guide>
       </p15:sldGuideLst>
     </p:ext>
   </p:extLst>
@@ -270,7 +278,7 @@
           <a:p>
             <a:fld id="{A49FB10A-A734-4C46-85F6-3167CB8D24AA}" type="datetimeFigureOut">
               <a:rPr lang="zh-CN" altLang="en-US" smtClean="0"/>
-              <a:t>2025/5/28</a:t>
+              <a:t>2025/5/31</a:t>
             </a:fld>
             <a:endParaRPr lang="zh-CN" altLang="en-US"/>
           </a:p>
@@ -468,7 +476,7 @@
           <a:p>
             <a:fld id="{A49FB10A-A734-4C46-85F6-3167CB8D24AA}" type="datetimeFigureOut">
               <a:rPr lang="zh-CN" altLang="en-US" smtClean="0"/>
-              <a:t>2025/5/28</a:t>
+              <a:t>2025/5/31</a:t>
             </a:fld>
             <a:endParaRPr lang="zh-CN" altLang="en-US"/>
           </a:p>
@@ -676,7 +684,7 @@
           <a:p>
             <a:fld id="{A49FB10A-A734-4C46-85F6-3167CB8D24AA}" type="datetimeFigureOut">
               <a:rPr lang="zh-CN" altLang="en-US" smtClean="0"/>
-              <a:t>2025/5/28</a:t>
+              <a:t>2025/5/31</a:t>
             </a:fld>
             <a:endParaRPr lang="zh-CN" altLang="en-US"/>
           </a:p>
@@ -874,7 +882,7 @@
           <a:p>
             <a:fld id="{A49FB10A-A734-4C46-85F6-3167CB8D24AA}" type="datetimeFigureOut">
               <a:rPr lang="zh-CN" altLang="en-US" smtClean="0"/>
-              <a:t>2025/5/28</a:t>
+              <a:t>2025/5/31</a:t>
             </a:fld>
             <a:endParaRPr lang="zh-CN" altLang="en-US"/>
           </a:p>
@@ -1149,7 +1157,7 @@
           <a:p>
             <a:fld id="{A49FB10A-A734-4C46-85F6-3167CB8D24AA}" type="datetimeFigureOut">
               <a:rPr lang="zh-CN" altLang="en-US" smtClean="0"/>
-              <a:t>2025/5/28</a:t>
+              <a:t>2025/5/31</a:t>
             </a:fld>
             <a:endParaRPr lang="zh-CN" altLang="en-US"/>
           </a:p>
@@ -1414,7 +1422,7 @@
           <a:p>
             <a:fld id="{A49FB10A-A734-4C46-85F6-3167CB8D24AA}" type="datetimeFigureOut">
               <a:rPr lang="zh-CN" altLang="en-US" smtClean="0"/>
-              <a:t>2025/5/28</a:t>
+              <a:t>2025/5/31</a:t>
             </a:fld>
             <a:endParaRPr lang="zh-CN" altLang="en-US"/>
           </a:p>
@@ -1826,7 +1834,7 @@
           <a:p>
             <a:fld id="{A49FB10A-A734-4C46-85F6-3167CB8D24AA}" type="datetimeFigureOut">
               <a:rPr lang="zh-CN" altLang="en-US" smtClean="0"/>
-              <a:t>2025/5/28</a:t>
+              <a:t>2025/5/31</a:t>
             </a:fld>
             <a:endParaRPr lang="zh-CN" altLang="en-US"/>
           </a:p>
@@ -1967,7 +1975,7 @@
           <a:p>
             <a:fld id="{A49FB10A-A734-4C46-85F6-3167CB8D24AA}" type="datetimeFigureOut">
               <a:rPr lang="zh-CN" altLang="en-US" smtClean="0"/>
-              <a:t>2025/5/28</a:t>
+              <a:t>2025/5/31</a:t>
             </a:fld>
             <a:endParaRPr lang="zh-CN" altLang="en-US"/>
           </a:p>
@@ -2080,7 +2088,7 @@
           <a:p>
             <a:fld id="{A49FB10A-A734-4C46-85F6-3167CB8D24AA}" type="datetimeFigureOut">
               <a:rPr lang="zh-CN" altLang="en-US" smtClean="0"/>
-              <a:t>2025/5/28</a:t>
+              <a:t>2025/5/31</a:t>
             </a:fld>
             <a:endParaRPr lang="zh-CN" altLang="en-US"/>
           </a:p>
@@ -2391,7 +2399,7 @@
           <a:p>
             <a:fld id="{A49FB10A-A734-4C46-85F6-3167CB8D24AA}" type="datetimeFigureOut">
               <a:rPr lang="zh-CN" altLang="en-US" smtClean="0"/>
-              <a:t>2025/5/28</a:t>
+              <a:t>2025/5/31</a:t>
             </a:fld>
             <a:endParaRPr lang="zh-CN" altLang="en-US"/>
           </a:p>
@@ -2679,7 +2687,7 @@
           <a:p>
             <a:fld id="{A49FB10A-A734-4C46-85F6-3167CB8D24AA}" type="datetimeFigureOut">
               <a:rPr lang="zh-CN" altLang="en-US" smtClean="0"/>
-              <a:t>2025/5/28</a:t>
+              <a:t>2025/5/31</a:t>
             </a:fld>
             <a:endParaRPr lang="zh-CN" altLang="en-US"/>
           </a:p>
@@ -2920,7 +2928,7 @@
           <a:p>
             <a:fld id="{A49FB10A-A734-4C46-85F6-3167CB8D24AA}" type="datetimeFigureOut">
               <a:rPr lang="zh-CN" altLang="en-US" smtClean="0"/>
-              <a:t>2025/5/28</a:t>
+              <a:t>2025/5/31</a:t>
             </a:fld>
             <a:endParaRPr lang="zh-CN" altLang="en-US"/>
           </a:p>
@@ -3393,6 +3401,7 @@
                 <a:solidFill>
                   <a:schemeClr val="tx1"/>
                 </a:solidFill>
+                <a:latin typeface="UbuntuMono Nerd Font" panose="020B0509030602030204" pitchFamily="49" charset="0"/>
               </a:rPr>
               <a:t>其他区域</a:t>
             </a:r>
@@ -3455,6 +3464,7 @@
                 <a:solidFill>
                   <a:schemeClr val="tx1"/>
                 </a:solidFill>
+                <a:latin typeface="UbuntuMono Nerd Font" panose="020B0509030602030204" pitchFamily="49" charset="0"/>
               </a:rPr>
               <a:t>Test </a:t>
             </a:r>
@@ -3463,6 +3473,7 @@
                 <a:solidFill>
                   <a:schemeClr val="tx1"/>
                 </a:solidFill>
+                <a:latin typeface="UbuntuMono Nerd Font" panose="020B0509030602030204" pitchFamily="49" charset="0"/>
               </a:rPr>
               <a:t>本身使用的内存</a:t>
             </a:r>
@@ -3525,6 +3536,7 @@
                 <a:solidFill>
                   <a:schemeClr val="tx1"/>
                 </a:solidFill>
+                <a:latin typeface="UbuntuMono Nerd Font" panose="020B0509030602030204" pitchFamily="49" charset="0"/>
               </a:rPr>
               <a:t>call </a:t>
             </a:r>
@@ -3533,6 +3545,7 @@
                 <a:solidFill>
                   <a:schemeClr val="tx1"/>
                 </a:solidFill>
+                <a:latin typeface="UbuntuMono Nerd Font" panose="020B0509030602030204" pitchFamily="49" charset="0"/>
               </a:rPr>
               <a:t>指令（也即 </a:t>
             </a:r>
@@ -3541,6 +3554,7 @@
                 <a:solidFill>
                   <a:schemeClr val="tx1"/>
                 </a:solidFill>
+                <a:latin typeface="UbuntuMono Nerd Font" panose="020B0509030602030204" pitchFamily="49" charset="0"/>
               </a:rPr>
               <a:t>getbuf </a:t>
             </a:r>
@@ -3549,6 +3563,7 @@
                 <a:solidFill>
                   <a:schemeClr val="tx1"/>
                 </a:solidFill>
+                <a:latin typeface="UbuntuMono Nerd Font" panose="020B0509030602030204" pitchFamily="49" charset="0"/>
               </a:rPr>
               <a:t>的调用者）的下一行指令的地址</a:t>
             </a:r>
@@ -3611,6 +3626,7 @@
                 <a:solidFill>
                   <a:schemeClr val="tx1"/>
                 </a:solidFill>
+                <a:latin typeface="UbuntuMono Nerd Font" panose="020B0509030602030204" pitchFamily="49" charset="0"/>
               </a:rPr>
               <a:t>getbuf </a:t>
             </a:r>
@@ -3619,6 +3635,7 @@
                 <a:solidFill>
                   <a:schemeClr val="tx1"/>
                 </a:solidFill>
+                <a:latin typeface="UbuntuMono Nerd Font" panose="020B0509030602030204" pitchFamily="49" charset="0"/>
               </a:rPr>
               <a:t>本身使用的地址，这里会存放输入的串</a:t>
             </a:r>
@@ -3680,8 +3697,8 @@
         </p:nvSpPr>
         <p:spPr>
           <a:xfrm flipH="1">
-            <a:off x="1809748" y="3751517"/>
-            <a:ext cx="2045600" cy="276999"/>
+            <a:off x="1650347" y="3751517"/>
+            <a:ext cx="2205001" cy="276999"/>
           </a:xfrm>
           <a:prstGeom prst="rect">
             <a:avLst/>
@@ -3695,10 +3712,14 @@
           <a:lstStyle/>
           <a:p>
             <a:r>
-              <a:rPr lang="en-US" altLang="zh-CN" sz="1200" dirty="0"/>
+              <a:rPr lang="en-US" altLang="zh-CN" sz="1200" dirty="0">
+                <a:latin typeface="UbuntuMono Nerd Font" panose="020B0509030602030204" pitchFamily="49" charset="0"/>
+              </a:rPr>
               <a:t>0x 00 00 00 00 55 61 dc 78</a:t>
             </a:r>
-            <a:endParaRPr lang="zh-CN" altLang="en-US" sz="1200" dirty="0"/>
+            <a:endParaRPr lang="zh-CN" altLang="en-US" sz="1200" dirty="0">
+              <a:latin typeface="UbuntuMono Nerd Font" panose="020B0509030602030204" pitchFamily="49" charset="0"/>
+            </a:endParaRPr>
           </a:p>
         </p:txBody>
       </p:sp>
@@ -3757,8 +3778,8 @@
         </p:nvSpPr>
         <p:spPr>
           <a:xfrm flipH="1">
-            <a:off x="1809748" y="2027975"/>
-            <a:ext cx="2047498" cy="276999"/>
+            <a:off x="1652245" y="2027975"/>
+            <a:ext cx="2205001" cy="276999"/>
           </a:xfrm>
           <a:prstGeom prst="rect">
             <a:avLst/>
@@ -3772,10 +3793,14 @@
           <a:lstStyle/>
           <a:p>
             <a:r>
-              <a:rPr lang="en-US" altLang="zh-CN" sz="1200" dirty="0"/>
+              <a:rPr lang="en-US" altLang="zh-CN" sz="1200" dirty="0">
+                <a:latin typeface="UbuntuMono Nerd Font" panose="020B0509030602030204" pitchFamily="49" charset="0"/>
+              </a:rPr>
               <a:t>0x 00 00 00 00 55 61 dc a0</a:t>
             </a:r>
-            <a:endParaRPr lang="zh-CN" altLang="en-US" sz="1200" dirty="0"/>
+            <a:endParaRPr lang="zh-CN" altLang="en-US" sz="1200" dirty="0">
+              <a:latin typeface="UbuntuMono Nerd Font" panose="020B0509030602030204" pitchFamily="49" charset="0"/>
+            </a:endParaRPr>
           </a:p>
         </p:txBody>
       </p:sp>
@@ -3820,7 +3845,9 @@
           <a:lstStyle/>
           <a:p>
             <a:pPr algn="ctr"/>
-            <a:endParaRPr lang="zh-CN" altLang="en-US" sz="1200" dirty="0"/>
+            <a:endParaRPr lang="zh-CN" altLang="en-US" sz="1200" dirty="0">
+              <a:latin typeface="UbuntuMono Nerd Font" panose="020B0509030602030204" pitchFamily="49" charset="0"/>
+            </a:endParaRPr>
           </a:p>
         </p:txBody>
       </p:sp>
@@ -3839,7 +3866,7 @@
         <p:spPr>
           <a:xfrm flipH="1">
             <a:off x="486902" y="3105450"/>
-            <a:ext cx="697627" cy="276999"/>
+            <a:ext cx="723275" cy="276999"/>
           </a:xfrm>
           <a:prstGeom prst="rect">
             <a:avLst/>
@@ -3853,11 +3880,15 @@
           <a:lstStyle/>
           <a:p>
             <a:r>
-              <a:rPr lang="en-US" altLang="zh-CN" sz="1200" dirty="0"/>
+              <a:rPr lang="en-US" altLang="zh-CN" sz="1200" dirty="0">
+                <a:latin typeface="UbuntuMono Nerd Font" panose="020B0509030602030204" pitchFamily="49" charset="0"/>
+              </a:rPr>
               <a:t>40 </a:t>
             </a:r>
             <a:r>
-              <a:rPr lang="zh-CN" altLang="en-US" sz="1200" dirty="0"/>
+              <a:rPr lang="zh-CN" altLang="en-US" sz="1200" dirty="0">
+                <a:latin typeface="UbuntuMono Nerd Font" panose="020B0509030602030204" pitchFamily="49" charset="0"/>
+              </a:rPr>
               <a:t>字节</a:t>
             </a:r>
           </a:p>
@@ -3918,8 +3949,8 @@
         </p:nvSpPr>
         <p:spPr>
           <a:xfrm flipH="1">
-            <a:off x="8807252" y="1889475"/>
-            <a:ext cx="2047498" cy="276999"/>
+            <a:off x="8616000" y="1889475"/>
+            <a:ext cx="2238750" cy="276999"/>
           </a:xfrm>
           <a:prstGeom prst="rect">
             <a:avLst/>
@@ -3933,10 +3964,14 @@
           <a:lstStyle/>
           <a:p>
             <a:r>
-              <a:rPr lang="en-US" altLang="zh-CN" sz="1200" dirty="0"/>
+              <a:rPr lang="en-US" altLang="zh-CN" sz="1200" dirty="0">
+                <a:latin typeface="UbuntuMono Nerd Font" panose="020B0509030602030204" pitchFamily="49" charset="0"/>
+              </a:rPr>
               <a:t>0x 00 00 00 00 00 40 19 76</a:t>
             </a:r>
-            <a:endParaRPr lang="zh-CN" altLang="en-US" sz="1200" dirty="0"/>
+            <a:endParaRPr lang="zh-CN" altLang="en-US" sz="1200" dirty="0">
+              <a:latin typeface="UbuntuMono Nerd Font" panose="020B0509030602030204" pitchFamily="49" charset="0"/>
+            </a:endParaRPr>
           </a:p>
         </p:txBody>
       </p:sp>
@@ -3969,7 +4004,9 @@
           <a:lstStyle/>
           <a:p>
             <a:r>
-              <a:rPr lang="zh-CN" altLang="en-US" dirty="0"/>
+              <a:rPr lang="zh-CN" altLang="en-US" dirty="0">
+                <a:latin typeface="UbuntuMono Nerd Font" panose="020B0509030602030204" pitchFamily="49" charset="0"/>
+              </a:rPr>
               <a:t>地址</a:t>
             </a:r>
           </a:p>
@@ -4004,7 +4041,9 @@
           <a:lstStyle/>
           <a:p>
             <a:r>
-              <a:rPr lang="zh-CN" altLang="en-US" dirty="0"/>
+              <a:rPr lang="zh-CN" altLang="en-US" dirty="0">
+                <a:latin typeface="UbuntuMono Nerd Font" panose="020B0509030602030204" pitchFamily="49" charset="0"/>
+              </a:rPr>
               <a:t>内容</a:t>
             </a:r>
           </a:p>
@@ -4014,6 +4053,3859 @@
     <p:extLst>
       <p:ext uri="{BB962C8B-B14F-4D97-AF65-F5344CB8AC3E}">
         <p14:creationId xmlns:p14="http://schemas.microsoft.com/office/powerpoint/2010/main" val="51703713"/>
+      </p:ext>
+    </p:extLst>
+  </p:cSld>
+  <p:clrMapOvr>
+    <a:masterClrMapping/>
+  </p:clrMapOvr>
+</p:sld>
+</file>
+
+<file path=ppt/slides/slide2.xml><?xml version="1.0" encoding="utf-8"?>
+<p:sld xmlns:a="http://schemas.openxmlformats.org/drawingml/2006/main" xmlns:r="http://schemas.openxmlformats.org/officeDocument/2006/relationships" xmlns:p="http://schemas.openxmlformats.org/presentationml/2006/main">
+  <p:cSld>
+    <p:spTree>
+      <p:nvGrpSpPr>
+        <p:cNvPr id="1" name="">
+          <a:extLst>
+            <a:ext uri="{FF2B5EF4-FFF2-40B4-BE49-F238E27FC236}">
+              <a16:creationId xmlns:a16="http://schemas.microsoft.com/office/drawing/2014/main" id="{83BEBCE8-CB37-D1CA-EB36-FBAE272DBA68}"/>
+            </a:ext>
+          </a:extLst>
+        </p:cNvPr>
+        <p:cNvGrpSpPr/>
+        <p:nvPr/>
+      </p:nvGrpSpPr>
+      <p:grpSpPr>
+        <a:xfrm>
+          <a:off x="0" y="0"/>
+          <a:ext cx="0" cy="0"/>
+          <a:chOff x="0" y="0"/>
+          <a:chExt cx="0" cy="0"/>
+        </a:xfrm>
+      </p:grpSpPr>
+      <p:sp>
+        <p:nvSpPr>
+          <p:cNvPr id="29" name="矩形 28">
+            <a:extLst>
+              <a:ext uri="{FF2B5EF4-FFF2-40B4-BE49-F238E27FC236}">
+                <a16:creationId xmlns:a16="http://schemas.microsoft.com/office/drawing/2014/main" id="{7732AB7A-1396-D2B2-0C8E-33862FF3586D}"/>
+              </a:ext>
+            </a:extLst>
+          </p:cNvPr>
+          <p:cNvSpPr/>
+          <p:nvPr/>
+        </p:nvSpPr>
+        <p:spPr>
+          <a:xfrm>
+            <a:off x="3936002" y="548740"/>
+            <a:ext cx="4319997" cy="1075210"/>
+          </a:xfrm>
+          <a:prstGeom prst="rect">
+            <a:avLst/>
+          </a:prstGeom>
+          <a:solidFill>
+            <a:schemeClr val="accent5">
+              <a:lumMod val="40000"/>
+              <a:lumOff val="60000"/>
+            </a:schemeClr>
+          </a:solidFill>
+          <a:ln>
+            <a:noFill/>
+          </a:ln>
+        </p:spPr>
+        <p:style>
+          <a:lnRef idx="2">
+            <a:schemeClr val="accent1">
+              <a:shade val="15000"/>
+            </a:schemeClr>
+          </a:lnRef>
+          <a:fillRef idx="1">
+            <a:schemeClr val="accent1"/>
+          </a:fillRef>
+          <a:effectRef idx="0">
+            <a:schemeClr val="accent1"/>
+          </a:effectRef>
+          <a:fontRef idx="minor">
+            <a:schemeClr val="lt1"/>
+          </a:fontRef>
+        </p:style>
+        <p:txBody>
+          <a:bodyPr rtlCol="0" anchor="ctr"/>
+          <a:lstStyle/>
+          <a:p>
+            <a:pPr algn="ctr"/>
+            <a:r>
+              <a:rPr lang="zh-CN" altLang="en-US" sz="1200" dirty="0">
+                <a:solidFill>
+                  <a:schemeClr val="tx1"/>
+                </a:solidFill>
+                <a:latin typeface="UbuntuMono Nerd Font" panose="020B0509030602030204" pitchFamily="49" charset="0"/>
+              </a:rPr>
+              <a:t>其他区域</a:t>
+            </a:r>
+          </a:p>
+        </p:txBody>
+      </p:sp>
+      <p:sp>
+        <p:nvSpPr>
+          <p:cNvPr id="33" name="矩形 32">
+            <a:extLst>
+              <a:ext uri="{FF2B5EF4-FFF2-40B4-BE49-F238E27FC236}">
+                <a16:creationId xmlns:a16="http://schemas.microsoft.com/office/drawing/2014/main" id="{59FBD74C-9350-96BE-ED34-A35F4F9B16BE}"/>
+              </a:ext>
+            </a:extLst>
+          </p:cNvPr>
+          <p:cNvSpPr/>
+          <p:nvPr/>
+        </p:nvSpPr>
+        <p:spPr>
+          <a:xfrm>
+            <a:off x="3936001" y="1623950"/>
+            <a:ext cx="4319997" cy="365050"/>
+          </a:xfrm>
+          <a:prstGeom prst="rect">
+            <a:avLst/>
+          </a:prstGeom>
+          <a:solidFill>
+            <a:schemeClr val="accent5">
+              <a:lumMod val="20000"/>
+              <a:lumOff val="80000"/>
+            </a:schemeClr>
+          </a:solidFill>
+          <a:ln>
+            <a:noFill/>
+          </a:ln>
+        </p:spPr>
+        <p:style>
+          <a:lnRef idx="2">
+            <a:schemeClr val="accent1">
+              <a:shade val="15000"/>
+            </a:schemeClr>
+          </a:lnRef>
+          <a:fillRef idx="1">
+            <a:schemeClr val="accent1"/>
+          </a:fillRef>
+          <a:effectRef idx="0">
+            <a:schemeClr val="accent1"/>
+          </a:effectRef>
+          <a:fontRef idx="minor">
+            <a:schemeClr val="lt1"/>
+          </a:fontRef>
+        </p:style>
+        <p:txBody>
+          <a:bodyPr rtlCol="0" anchor="ctr"/>
+          <a:lstStyle/>
+          <a:p>
+            <a:pPr algn="ctr"/>
+            <a:r>
+              <a:rPr lang="en-US" altLang="zh-CN" sz="1200" dirty="0">
+                <a:solidFill>
+                  <a:schemeClr val="tx1"/>
+                </a:solidFill>
+                <a:latin typeface="UbuntuMono Nerd Font" panose="020B0509030602030204" pitchFamily="49" charset="0"/>
+              </a:rPr>
+              <a:t>Test </a:t>
+            </a:r>
+            <a:r>
+              <a:rPr lang="zh-CN" altLang="en-US" sz="1200" dirty="0">
+                <a:solidFill>
+                  <a:schemeClr val="tx1"/>
+                </a:solidFill>
+                <a:latin typeface="UbuntuMono Nerd Font" panose="020B0509030602030204" pitchFamily="49" charset="0"/>
+              </a:rPr>
+              <a:t>本身使用的内存</a:t>
+            </a:r>
+          </a:p>
+        </p:txBody>
+      </p:sp>
+      <p:sp>
+        <p:nvSpPr>
+          <p:cNvPr id="34" name="矩形 33">
+            <a:extLst>
+              <a:ext uri="{FF2B5EF4-FFF2-40B4-BE49-F238E27FC236}">
+                <a16:creationId xmlns:a16="http://schemas.microsoft.com/office/drawing/2014/main" id="{0465B775-9442-2789-5A82-B2CCE1832157}"/>
+              </a:ext>
+            </a:extLst>
+          </p:cNvPr>
+          <p:cNvSpPr/>
+          <p:nvPr/>
+        </p:nvSpPr>
+        <p:spPr>
+          <a:xfrm>
+            <a:off x="3936000" y="1989000"/>
+            <a:ext cx="4319998" cy="354950"/>
+          </a:xfrm>
+          <a:prstGeom prst="rect">
+            <a:avLst/>
+          </a:prstGeom>
+          <a:solidFill>
+            <a:schemeClr val="accent5">
+              <a:lumMod val="60000"/>
+              <a:lumOff val="40000"/>
+            </a:schemeClr>
+          </a:solidFill>
+          <a:ln>
+            <a:noFill/>
+          </a:ln>
+        </p:spPr>
+        <p:style>
+          <a:lnRef idx="2">
+            <a:schemeClr val="accent1">
+              <a:shade val="15000"/>
+            </a:schemeClr>
+          </a:lnRef>
+          <a:fillRef idx="1">
+            <a:schemeClr val="accent1"/>
+          </a:fillRef>
+          <a:effectRef idx="0">
+            <a:schemeClr val="accent1"/>
+          </a:effectRef>
+          <a:fontRef idx="minor">
+            <a:schemeClr val="lt1"/>
+          </a:fontRef>
+        </p:style>
+        <p:txBody>
+          <a:bodyPr rtlCol="0" anchor="ctr"/>
+          <a:lstStyle/>
+          <a:p>
+            <a:pPr algn="ctr"/>
+            <a:r>
+              <a:rPr lang="en-US" altLang="zh-CN" sz="1200" dirty="0">
+                <a:solidFill>
+                  <a:schemeClr val="tx1"/>
+                </a:solidFill>
+                <a:latin typeface="UbuntuMono Nerd Font" panose="020B0509030602030204" pitchFamily="49" charset="0"/>
+              </a:rPr>
+              <a:t>call </a:t>
+            </a:r>
+            <a:r>
+              <a:rPr lang="zh-CN" altLang="en-US" sz="1200" dirty="0">
+                <a:solidFill>
+                  <a:schemeClr val="tx1"/>
+                </a:solidFill>
+                <a:latin typeface="UbuntuMono Nerd Font" panose="020B0509030602030204" pitchFamily="49" charset="0"/>
+              </a:rPr>
+              <a:t>指令（也即 </a:t>
+            </a:r>
+            <a:r>
+              <a:rPr lang="en-US" altLang="zh-CN" sz="1200" dirty="0">
+                <a:solidFill>
+                  <a:schemeClr val="tx1"/>
+                </a:solidFill>
+                <a:latin typeface="UbuntuMono Nerd Font" panose="020B0509030602030204" pitchFamily="49" charset="0"/>
+              </a:rPr>
+              <a:t>getbuf </a:t>
+            </a:r>
+            <a:r>
+              <a:rPr lang="zh-CN" altLang="en-US" sz="1200" dirty="0">
+                <a:solidFill>
+                  <a:schemeClr val="tx1"/>
+                </a:solidFill>
+                <a:latin typeface="UbuntuMono Nerd Font" panose="020B0509030602030204" pitchFamily="49" charset="0"/>
+              </a:rPr>
+              <a:t>的调用者）的下一行指令的地址</a:t>
+            </a:r>
+          </a:p>
+        </p:txBody>
+      </p:sp>
+      <p:sp>
+        <p:nvSpPr>
+          <p:cNvPr id="35" name="矩形 34">
+            <a:extLst>
+              <a:ext uri="{FF2B5EF4-FFF2-40B4-BE49-F238E27FC236}">
+                <a16:creationId xmlns:a16="http://schemas.microsoft.com/office/drawing/2014/main" id="{A460CFDC-445F-9135-5B22-332AB687A056}"/>
+              </a:ext>
+            </a:extLst>
+          </p:cNvPr>
+          <p:cNvSpPr/>
+          <p:nvPr/>
+        </p:nvSpPr>
+        <p:spPr>
+          <a:xfrm>
+            <a:off x="3935999" y="2343950"/>
+            <a:ext cx="4319999" cy="1800000"/>
+          </a:xfrm>
+          <a:prstGeom prst="rect">
+            <a:avLst/>
+          </a:prstGeom>
+          <a:solidFill>
+            <a:schemeClr val="accent5">
+              <a:lumMod val="20000"/>
+              <a:lumOff val="80000"/>
+            </a:schemeClr>
+          </a:solidFill>
+          <a:ln>
+            <a:noFill/>
+          </a:ln>
+        </p:spPr>
+        <p:style>
+          <a:lnRef idx="2">
+            <a:schemeClr val="accent1">
+              <a:shade val="15000"/>
+            </a:schemeClr>
+          </a:lnRef>
+          <a:fillRef idx="1">
+            <a:schemeClr val="accent1"/>
+          </a:fillRef>
+          <a:effectRef idx="0">
+            <a:schemeClr val="accent1"/>
+          </a:effectRef>
+          <a:fontRef idx="minor">
+            <a:schemeClr val="lt1"/>
+          </a:fontRef>
+        </p:style>
+        <p:txBody>
+          <a:bodyPr rtlCol="0" anchor="ctr"/>
+          <a:lstStyle/>
+          <a:p>
+            <a:pPr algn="ctr"/>
+            <a:r>
+              <a:rPr lang="en-US" altLang="zh-CN" sz="1200" dirty="0">
+                <a:solidFill>
+                  <a:schemeClr val="tx1"/>
+                </a:solidFill>
+                <a:latin typeface="UbuntuMono Nerd Font" panose="020B0509030602030204" pitchFamily="49" charset="0"/>
+              </a:rPr>
+              <a:t>getbuf </a:t>
+            </a:r>
+            <a:r>
+              <a:rPr lang="zh-CN" altLang="en-US" sz="1200" dirty="0">
+                <a:solidFill>
+                  <a:schemeClr val="tx1"/>
+                </a:solidFill>
+                <a:latin typeface="UbuntuMono Nerd Font" panose="020B0509030602030204" pitchFamily="49" charset="0"/>
+              </a:rPr>
+              <a:t>本身使用的地址，这里会存放输入的串</a:t>
+            </a:r>
+          </a:p>
+        </p:txBody>
+      </p:sp>
+      <p:cxnSp>
+        <p:nvCxnSpPr>
+          <p:cNvPr id="37" name="直接箭头连接符 36">
+            <a:extLst>
+              <a:ext uri="{FF2B5EF4-FFF2-40B4-BE49-F238E27FC236}">
+                <a16:creationId xmlns:a16="http://schemas.microsoft.com/office/drawing/2014/main" id="{461BABFB-8B49-624B-58BA-FC012037F600}"/>
+              </a:ext>
+            </a:extLst>
+          </p:cNvPr>
+          <p:cNvCxnSpPr>
+            <a:cxnSpLocks/>
+          </p:cNvCxnSpPr>
+          <p:nvPr/>
+        </p:nvCxnSpPr>
+        <p:spPr>
+          <a:xfrm>
+            <a:off x="1730996" y="4143950"/>
+            <a:ext cx="2205002" cy="3"/>
+          </a:xfrm>
+          <a:prstGeom prst="straightConnector1">
+            <a:avLst/>
+          </a:prstGeom>
+          <a:ln w="12700">
+            <a:tailEnd type="triangle"/>
+          </a:ln>
+        </p:spPr>
+        <p:style>
+          <a:lnRef idx="1">
+            <a:schemeClr val="dk1"/>
+          </a:lnRef>
+          <a:fillRef idx="0">
+            <a:schemeClr val="dk1"/>
+          </a:fillRef>
+          <a:effectRef idx="0">
+            <a:schemeClr val="dk1"/>
+          </a:effectRef>
+          <a:fontRef idx="minor">
+            <a:schemeClr val="tx1"/>
+          </a:fontRef>
+        </p:style>
+      </p:cxnSp>
+      <p:sp>
+        <p:nvSpPr>
+          <p:cNvPr id="38" name="文本框 37">
+            <a:extLst>
+              <a:ext uri="{FF2B5EF4-FFF2-40B4-BE49-F238E27FC236}">
+                <a16:creationId xmlns:a16="http://schemas.microsoft.com/office/drawing/2014/main" id="{8555A12F-38C7-29B7-94CE-72E4009015B7}"/>
+              </a:ext>
+            </a:extLst>
+          </p:cNvPr>
+          <p:cNvSpPr txBox="1"/>
+          <p:nvPr/>
+        </p:nvSpPr>
+        <p:spPr>
+          <a:xfrm flipH="1">
+            <a:off x="1650347" y="3751517"/>
+            <a:ext cx="2205001" cy="276999"/>
+          </a:xfrm>
+          <a:prstGeom prst="rect">
+            <a:avLst/>
+          </a:prstGeom>
+          <a:noFill/>
+        </p:spPr>
+        <p:txBody>
+          <a:bodyPr wrap="square" rtlCol="0">
+            <a:spAutoFit/>
+          </a:bodyPr>
+          <a:lstStyle/>
+          <a:p>
+            <a:r>
+              <a:rPr lang="en-US" altLang="zh-CN" sz="1200" dirty="0">
+                <a:latin typeface="UbuntuMono Nerd Font" panose="020B0509030602030204" pitchFamily="49" charset="0"/>
+              </a:rPr>
+              <a:t>0x 00 00 00 00 55 61 dc 78</a:t>
+            </a:r>
+            <a:endParaRPr lang="zh-CN" altLang="en-US" sz="1200" dirty="0">
+              <a:latin typeface="UbuntuMono Nerd Font" panose="020B0509030602030204" pitchFamily="49" charset="0"/>
+            </a:endParaRPr>
+          </a:p>
+        </p:txBody>
+      </p:sp>
+      <p:cxnSp>
+        <p:nvCxnSpPr>
+          <p:cNvPr id="40" name="直接箭头连接符 39">
+            <a:extLst>
+              <a:ext uri="{FF2B5EF4-FFF2-40B4-BE49-F238E27FC236}">
+                <a16:creationId xmlns:a16="http://schemas.microsoft.com/office/drawing/2014/main" id="{11BA92EF-8C0A-A671-9D4E-949C95B99D88}"/>
+              </a:ext>
+            </a:extLst>
+          </p:cNvPr>
+          <p:cNvCxnSpPr>
+            <a:cxnSpLocks/>
+          </p:cNvCxnSpPr>
+          <p:nvPr/>
+        </p:nvCxnSpPr>
+        <p:spPr>
+          <a:xfrm>
+            <a:off x="1730996" y="2348739"/>
+            <a:ext cx="2205002" cy="0"/>
+          </a:xfrm>
+          <a:prstGeom prst="straightConnector1">
+            <a:avLst/>
+          </a:prstGeom>
+          <a:ln w="12700">
+            <a:tailEnd type="triangle"/>
+          </a:ln>
+        </p:spPr>
+        <p:style>
+          <a:lnRef idx="1">
+            <a:schemeClr val="dk1"/>
+          </a:lnRef>
+          <a:fillRef idx="0">
+            <a:schemeClr val="dk1"/>
+          </a:fillRef>
+          <a:effectRef idx="0">
+            <a:schemeClr val="dk1"/>
+          </a:effectRef>
+          <a:fontRef idx="minor">
+            <a:schemeClr val="tx1"/>
+          </a:fontRef>
+        </p:style>
+      </p:cxnSp>
+      <p:sp>
+        <p:nvSpPr>
+          <p:cNvPr id="41" name="文本框 40">
+            <a:extLst>
+              <a:ext uri="{FF2B5EF4-FFF2-40B4-BE49-F238E27FC236}">
+                <a16:creationId xmlns:a16="http://schemas.microsoft.com/office/drawing/2014/main" id="{34B25C90-1A86-5D8B-C188-43EB0EC3D3C0}"/>
+              </a:ext>
+            </a:extLst>
+          </p:cNvPr>
+          <p:cNvSpPr txBox="1"/>
+          <p:nvPr/>
+        </p:nvSpPr>
+        <p:spPr>
+          <a:xfrm flipH="1">
+            <a:off x="1652245" y="2027975"/>
+            <a:ext cx="2205001" cy="276999"/>
+          </a:xfrm>
+          <a:prstGeom prst="rect">
+            <a:avLst/>
+          </a:prstGeom>
+          <a:noFill/>
+        </p:spPr>
+        <p:txBody>
+          <a:bodyPr wrap="square" rtlCol="0">
+            <a:spAutoFit/>
+          </a:bodyPr>
+          <a:lstStyle/>
+          <a:p>
+            <a:r>
+              <a:rPr lang="en-US" altLang="zh-CN" sz="1200" dirty="0">
+                <a:latin typeface="UbuntuMono Nerd Font" panose="020B0509030602030204" pitchFamily="49" charset="0"/>
+              </a:rPr>
+              <a:t>0x 00 00 00 00 55 61 dc a0</a:t>
+            </a:r>
+            <a:endParaRPr lang="zh-CN" altLang="en-US" sz="1200" dirty="0">
+              <a:latin typeface="UbuntuMono Nerd Font" panose="020B0509030602030204" pitchFamily="49" charset="0"/>
+            </a:endParaRPr>
+          </a:p>
+        </p:txBody>
+      </p:sp>
+      <p:sp>
+        <p:nvSpPr>
+          <p:cNvPr id="42" name="右大括号 41">
+            <a:extLst>
+              <a:ext uri="{FF2B5EF4-FFF2-40B4-BE49-F238E27FC236}">
+                <a16:creationId xmlns:a16="http://schemas.microsoft.com/office/drawing/2014/main" id="{4DBA4CB2-7C27-1C79-8C22-D94A49AD749E}"/>
+              </a:ext>
+            </a:extLst>
+          </p:cNvPr>
+          <p:cNvSpPr/>
+          <p:nvPr/>
+        </p:nvSpPr>
+        <p:spPr>
+          <a:xfrm flipH="1">
+            <a:off x="1168497" y="2362259"/>
+            <a:ext cx="405000" cy="1781691"/>
+          </a:xfrm>
+          <a:prstGeom prst="rightBrace">
+            <a:avLst/>
+          </a:prstGeom>
+          <a:ln w="12700"/>
+        </p:spPr>
+        <p:style>
+          <a:lnRef idx="1">
+            <a:schemeClr val="dk1"/>
+          </a:lnRef>
+          <a:fillRef idx="0">
+            <a:schemeClr val="dk1"/>
+          </a:fillRef>
+          <a:effectRef idx="0">
+            <a:schemeClr val="dk1"/>
+          </a:effectRef>
+          <a:fontRef idx="minor">
+            <a:schemeClr val="tx1"/>
+          </a:fontRef>
+        </p:style>
+        <p:txBody>
+          <a:bodyPr rtlCol="0" anchor="ctr"/>
+          <a:lstStyle/>
+          <a:p>
+            <a:pPr algn="ctr"/>
+            <a:endParaRPr lang="zh-CN" altLang="en-US" sz="1200" dirty="0">
+              <a:latin typeface="UbuntuMono Nerd Font" panose="020B0509030602030204" pitchFamily="49" charset="0"/>
+            </a:endParaRPr>
+          </a:p>
+        </p:txBody>
+      </p:sp>
+      <p:sp>
+        <p:nvSpPr>
+          <p:cNvPr id="43" name="文本框 42">
+            <a:extLst>
+              <a:ext uri="{FF2B5EF4-FFF2-40B4-BE49-F238E27FC236}">
+                <a16:creationId xmlns:a16="http://schemas.microsoft.com/office/drawing/2014/main" id="{A4C5376D-DDA4-ADED-9981-7A614F46296D}"/>
+              </a:ext>
+            </a:extLst>
+          </p:cNvPr>
+          <p:cNvSpPr txBox="1"/>
+          <p:nvPr/>
+        </p:nvSpPr>
+        <p:spPr>
+          <a:xfrm flipH="1">
+            <a:off x="486902" y="3105450"/>
+            <a:ext cx="723275" cy="276999"/>
+          </a:xfrm>
+          <a:prstGeom prst="rect">
+            <a:avLst/>
+          </a:prstGeom>
+          <a:noFill/>
+        </p:spPr>
+        <p:txBody>
+          <a:bodyPr wrap="none" rtlCol="0">
+            <a:spAutoFit/>
+          </a:bodyPr>
+          <a:lstStyle/>
+          <a:p>
+            <a:r>
+              <a:rPr lang="en-US" altLang="zh-CN" sz="1200" dirty="0">
+                <a:latin typeface="UbuntuMono Nerd Font" panose="020B0509030602030204" pitchFamily="49" charset="0"/>
+              </a:rPr>
+              <a:t>40 </a:t>
+            </a:r>
+            <a:r>
+              <a:rPr lang="zh-CN" altLang="en-US" sz="1200" dirty="0">
+                <a:latin typeface="UbuntuMono Nerd Font" panose="020B0509030602030204" pitchFamily="49" charset="0"/>
+              </a:rPr>
+              <a:t>字节</a:t>
+            </a:r>
+          </a:p>
+        </p:txBody>
+      </p:sp>
+      <p:cxnSp>
+        <p:nvCxnSpPr>
+          <p:cNvPr id="44" name="直接箭头连接符 43">
+            <a:extLst>
+              <a:ext uri="{FF2B5EF4-FFF2-40B4-BE49-F238E27FC236}">
+                <a16:creationId xmlns:a16="http://schemas.microsoft.com/office/drawing/2014/main" id="{0E9BF736-E42D-7BC9-B974-9361F0DC7244}"/>
+              </a:ext>
+            </a:extLst>
+          </p:cNvPr>
+          <p:cNvCxnSpPr>
+            <a:cxnSpLocks/>
+          </p:cNvCxnSpPr>
+          <p:nvPr/>
+        </p:nvCxnSpPr>
+        <p:spPr>
+          <a:xfrm flipH="1">
+            <a:off x="8391000" y="2169000"/>
+            <a:ext cx="2880002" cy="0"/>
+          </a:xfrm>
+          <a:prstGeom prst="straightConnector1">
+            <a:avLst/>
+          </a:prstGeom>
+          <a:ln w="12700">
+            <a:tailEnd type="triangle"/>
+          </a:ln>
+        </p:spPr>
+        <p:style>
+          <a:lnRef idx="1">
+            <a:schemeClr val="dk1"/>
+          </a:lnRef>
+          <a:fillRef idx="0">
+            <a:schemeClr val="dk1"/>
+          </a:fillRef>
+          <a:effectRef idx="0">
+            <a:schemeClr val="dk1"/>
+          </a:effectRef>
+          <a:fontRef idx="minor">
+            <a:schemeClr val="tx1"/>
+          </a:fontRef>
+        </p:style>
+      </p:cxnSp>
+      <p:sp>
+        <p:nvSpPr>
+          <p:cNvPr id="47" name="文本框 46">
+            <a:extLst>
+              <a:ext uri="{FF2B5EF4-FFF2-40B4-BE49-F238E27FC236}">
+                <a16:creationId xmlns:a16="http://schemas.microsoft.com/office/drawing/2014/main" id="{68CC9E67-CB2F-71F9-5138-2E8D3F0201EF}"/>
+              </a:ext>
+            </a:extLst>
+          </p:cNvPr>
+          <p:cNvSpPr txBox="1"/>
+          <p:nvPr/>
+        </p:nvSpPr>
+        <p:spPr>
+          <a:xfrm flipH="1">
+            <a:off x="8807252" y="1634973"/>
+            <a:ext cx="2238748" cy="461665"/>
+          </a:xfrm>
+          <a:prstGeom prst="rect">
+            <a:avLst/>
+          </a:prstGeom>
+          <a:noFill/>
+        </p:spPr>
+        <p:txBody>
+          <a:bodyPr wrap="square" rtlCol="0">
+            <a:spAutoFit/>
+          </a:bodyPr>
+          <a:lstStyle/>
+          <a:p>
+            <a:r>
+              <a:rPr lang="zh-CN" altLang="en-US" sz="1200" dirty="0">
+                <a:latin typeface="UbuntuMono Nerd Font" panose="020B0509030602030204" pitchFamily="49" charset="0"/>
+              </a:rPr>
+              <a:t>本用于函数返回，现在被篡改为 </a:t>
+            </a:r>
+            <a:r>
+              <a:rPr lang="en-US" altLang="zh-CN" sz="1200" dirty="0">
+                <a:latin typeface="UbuntuMono Nerd Font" panose="020B0509030602030204" pitchFamily="49" charset="0"/>
+              </a:rPr>
+              <a:t>touch1 </a:t>
+            </a:r>
+            <a:r>
+              <a:rPr lang="zh-CN" altLang="en-US" sz="1200" dirty="0">
+                <a:latin typeface="UbuntuMono Nerd Font" panose="020B0509030602030204" pitchFamily="49" charset="0"/>
+              </a:rPr>
+              <a:t>的地址 </a:t>
+            </a:r>
+            <a:r>
+              <a:rPr lang="en-US" altLang="zh-CN" sz="1200" dirty="0">
+                <a:latin typeface="UbuntuMono Nerd Font" panose="020B0509030602030204" pitchFamily="49" charset="0"/>
+              </a:rPr>
+              <a:t>0x4017BE</a:t>
+            </a:r>
+            <a:endParaRPr lang="zh-CN" altLang="en-US" sz="1200" dirty="0">
+              <a:latin typeface="UbuntuMono Nerd Font" panose="020B0509030602030204" pitchFamily="49" charset="0"/>
+            </a:endParaRPr>
+          </a:p>
+        </p:txBody>
+      </p:sp>
+      <p:sp>
+        <p:nvSpPr>
+          <p:cNvPr id="48" name="文本框 47">
+            <a:extLst>
+              <a:ext uri="{FF2B5EF4-FFF2-40B4-BE49-F238E27FC236}">
+                <a16:creationId xmlns:a16="http://schemas.microsoft.com/office/drawing/2014/main" id="{8E44DC55-9AEF-498F-7144-7EF3D22F9233}"/>
+              </a:ext>
+            </a:extLst>
+          </p:cNvPr>
+          <p:cNvSpPr txBox="1"/>
+          <p:nvPr/>
+        </p:nvSpPr>
+        <p:spPr>
+          <a:xfrm>
+            <a:off x="2509382" y="166278"/>
+            <a:ext cx="646331" cy="369332"/>
+          </a:xfrm>
+          <a:prstGeom prst="rect">
+            <a:avLst/>
+          </a:prstGeom>
+          <a:noFill/>
+        </p:spPr>
+        <p:txBody>
+          <a:bodyPr wrap="none" rtlCol="0">
+            <a:spAutoFit/>
+          </a:bodyPr>
+          <a:lstStyle/>
+          <a:p>
+            <a:r>
+              <a:rPr lang="zh-CN" altLang="en-US" dirty="0">
+                <a:latin typeface="UbuntuMono Nerd Font" panose="020B0509030602030204" pitchFamily="49" charset="0"/>
+              </a:rPr>
+              <a:t>地址</a:t>
+            </a:r>
+          </a:p>
+        </p:txBody>
+      </p:sp>
+      <p:sp>
+        <p:nvSpPr>
+          <p:cNvPr id="49" name="文本框 48">
+            <a:extLst>
+              <a:ext uri="{FF2B5EF4-FFF2-40B4-BE49-F238E27FC236}">
+                <a16:creationId xmlns:a16="http://schemas.microsoft.com/office/drawing/2014/main" id="{5C3CEF44-E335-4F8A-1CDE-05E66F3BD2B2}"/>
+              </a:ext>
+            </a:extLst>
+          </p:cNvPr>
+          <p:cNvSpPr txBox="1"/>
+          <p:nvPr/>
+        </p:nvSpPr>
+        <p:spPr>
+          <a:xfrm>
+            <a:off x="9359452" y="166278"/>
+            <a:ext cx="646331" cy="369332"/>
+          </a:xfrm>
+          <a:prstGeom prst="rect">
+            <a:avLst/>
+          </a:prstGeom>
+          <a:noFill/>
+        </p:spPr>
+        <p:txBody>
+          <a:bodyPr wrap="none" rtlCol="0">
+            <a:spAutoFit/>
+          </a:bodyPr>
+          <a:lstStyle/>
+          <a:p>
+            <a:r>
+              <a:rPr lang="zh-CN" altLang="en-US" dirty="0">
+                <a:latin typeface="UbuntuMono Nerd Font" panose="020B0509030602030204" pitchFamily="49" charset="0"/>
+              </a:rPr>
+              <a:t>内容</a:t>
+            </a:r>
+          </a:p>
+        </p:txBody>
+      </p:sp>
+    </p:spTree>
+    <p:extLst>
+      <p:ext uri="{BB962C8B-B14F-4D97-AF65-F5344CB8AC3E}">
+        <p14:creationId xmlns:p14="http://schemas.microsoft.com/office/powerpoint/2010/main" val="1190163940"/>
+      </p:ext>
+    </p:extLst>
+  </p:cSld>
+  <p:clrMapOvr>
+    <a:masterClrMapping/>
+  </p:clrMapOvr>
+</p:sld>
+</file>
+
+<file path=ppt/slides/slide3.xml><?xml version="1.0" encoding="utf-8"?>
+<p:sld xmlns:a="http://schemas.openxmlformats.org/drawingml/2006/main" xmlns:r="http://schemas.openxmlformats.org/officeDocument/2006/relationships" xmlns:p="http://schemas.openxmlformats.org/presentationml/2006/main">
+  <p:cSld>
+    <p:spTree>
+      <p:nvGrpSpPr>
+        <p:cNvPr id="1" name="">
+          <a:extLst>
+            <a:ext uri="{FF2B5EF4-FFF2-40B4-BE49-F238E27FC236}">
+              <a16:creationId xmlns:a16="http://schemas.microsoft.com/office/drawing/2014/main" id="{A8A3EABB-0282-2C0B-5186-2457182B298B}"/>
+            </a:ext>
+          </a:extLst>
+        </p:cNvPr>
+        <p:cNvGrpSpPr/>
+        <p:nvPr/>
+      </p:nvGrpSpPr>
+      <p:grpSpPr>
+        <a:xfrm>
+          <a:off x="0" y="0"/>
+          <a:ext cx="0" cy="0"/>
+          <a:chOff x="0" y="0"/>
+          <a:chExt cx="0" cy="0"/>
+        </a:xfrm>
+      </p:grpSpPr>
+      <p:sp>
+        <p:nvSpPr>
+          <p:cNvPr id="29" name="矩形 28">
+            <a:extLst>
+              <a:ext uri="{FF2B5EF4-FFF2-40B4-BE49-F238E27FC236}">
+                <a16:creationId xmlns:a16="http://schemas.microsoft.com/office/drawing/2014/main" id="{121BFE9C-356B-EC78-C1A7-81DDB4F8AA5A}"/>
+              </a:ext>
+            </a:extLst>
+          </p:cNvPr>
+          <p:cNvSpPr/>
+          <p:nvPr/>
+        </p:nvSpPr>
+        <p:spPr>
+          <a:xfrm>
+            <a:off x="3936002" y="548740"/>
+            <a:ext cx="4319997" cy="1075210"/>
+          </a:xfrm>
+          <a:prstGeom prst="rect">
+            <a:avLst/>
+          </a:prstGeom>
+          <a:solidFill>
+            <a:schemeClr val="accent5">
+              <a:lumMod val="40000"/>
+              <a:lumOff val="60000"/>
+            </a:schemeClr>
+          </a:solidFill>
+          <a:ln>
+            <a:noFill/>
+          </a:ln>
+        </p:spPr>
+        <p:style>
+          <a:lnRef idx="2">
+            <a:schemeClr val="accent1">
+              <a:shade val="15000"/>
+            </a:schemeClr>
+          </a:lnRef>
+          <a:fillRef idx="1">
+            <a:schemeClr val="accent1"/>
+          </a:fillRef>
+          <a:effectRef idx="0">
+            <a:schemeClr val="accent1"/>
+          </a:effectRef>
+          <a:fontRef idx="minor">
+            <a:schemeClr val="lt1"/>
+          </a:fontRef>
+        </p:style>
+        <p:txBody>
+          <a:bodyPr rtlCol="0" anchor="ctr"/>
+          <a:lstStyle/>
+          <a:p>
+            <a:pPr algn="ctr"/>
+            <a:r>
+              <a:rPr lang="zh-CN" altLang="en-US" sz="1200" dirty="0">
+                <a:solidFill>
+                  <a:schemeClr val="tx1"/>
+                </a:solidFill>
+                <a:latin typeface="UbuntuMono Nerd Font" panose="020B0509030602030204" pitchFamily="49" charset="0"/>
+              </a:rPr>
+              <a:t>其他区域</a:t>
+            </a:r>
+          </a:p>
+        </p:txBody>
+      </p:sp>
+      <p:sp>
+        <p:nvSpPr>
+          <p:cNvPr id="33" name="矩形 32">
+            <a:extLst>
+              <a:ext uri="{FF2B5EF4-FFF2-40B4-BE49-F238E27FC236}">
+                <a16:creationId xmlns:a16="http://schemas.microsoft.com/office/drawing/2014/main" id="{C45B4AF4-ABD7-C5F6-71CD-FA7251513D47}"/>
+              </a:ext>
+            </a:extLst>
+          </p:cNvPr>
+          <p:cNvSpPr/>
+          <p:nvPr/>
+        </p:nvSpPr>
+        <p:spPr>
+          <a:xfrm>
+            <a:off x="3936001" y="1623950"/>
+            <a:ext cx="4319997" cy="365050"/>
+          </a:xfrm>
+          <a:prstGeom prst="rect">
+            <a:avLst/>
+          </a:prstGeom>
+          <a:solidFill>
+            <a:schemeClr val="accent5">
+              <a:lumMod val="20000"/>
+              <a:lumOff val="80000"/>
+            </a:schemeClr>
+          </a:solidFill>
+          <a:ln>
+            <a:noFill/>
+          </a:ln>
+        </p:spPr>
+        <p:style>
+          <a:lnRef idx="2">
+            <a:schemeClr val="accent1">
+              <a:shade val="15000"/>
+            </a:schemeClr>
+          </a:lnRef>
+          <a:fillRef idx="1">
+            <a:schemeClr val="accent1"/>
+          </a:fillRef>
+          <a:effectRef idx="0">
+            <a:schemeClr val="accent1"/>
+          </a:effectRef>
+          <a:fontRef idx="minor">
+            <a:schemeClr val="lt1"/>
+          </a:fontRef>
+        </p:style>
+        <p:txBody>
+          <a:bodyPr rtlCol="0" anchor="ctr"/>
+          <a:lstStyle/>
+          <a:p>
+            <a:pPr algn="ctr"/>
+            <a:r>
+              <a:rPr lang="en-US" altLang="zh-CN" sz="1200" dirty="0">
+                <a:solidFill>
+                  <a:schemeClr val="tx1"/>
+                </a:solidFill>
+                <a:latin typeface="UbuntuMono Nerd Font" panose="020B0509030602030204" pitchFamily="49" charset="0"/>
+              </a:rPr>
+              <a:t>Test </a:t>
+            </a:r>
+            <a:r>
+              <a:rPr lang="zh-CN" altLang="en-US" sz="1200" dirty="0">
+                <a:solidFill>
+                  <a:schemeClr val="tx1"/>
+                </a:solidFill>
+                <a:latin typeface="UbuntuMono Nerd Font" panose="020B0509030602030204" pitchFamily="49" charset="0"/>
+              </a:rPr>
+              <a:t>本身使用的内存</a:t>
+            </a:r>
+          </a:p>
+        </p:txBody>
+      </p:sp>
+      <p:sp>
+        <p:nvSpPr>
+          <p:cNvPr id="34" name="矩形 33">
+            <a:extLst>
+              <a:ext uri="{FF2B5EF4-FFF2-40B4-BE49-F238E27FC236}">
+                <a16:creationId xmlns:a16="http://schemas.microsoft.com/office/drawing/2014/main" id="{07CD5120-EEE7-082C-78A7-EDF6C32C10EF}"/>
+              </a:ext>
+            </a:extLst>
+          </p:cNvPr>
+          <p:cNvSpPr/>
+          <p:nvPr/>
+        </p:nvSpPr>
+        <p:spPr>
+          <a:xfrm>
+            <a:off x="3936000" y="1989000"/>
+            <a:ext cx="4319998" cy="354950"/>
+          </a:xfrm>
+          <a:prstGeom prst="rect">
+            <a:avLst/>
+          </a:prstGeom>
+          <a:solidFill>
+            <a:schemeClr val="accent5">
+              <a:lumMod val="60000"/>
+              <a:lumOff val="40000"/>
+            </a:schemeClr>
+          </a:solidFill>
+          <a:ln>
+            <a:noFill/>
+          </a:ln>
+        </p:spPr>
+        <p:style>
+          <a:lnRef idx="2">
+            <a:schemeClr val="accent1">
+              <a:shade val="15000"/>
+            </a:schemeClr>
+          </a:lnRef>
+          <a:fillRef idx="1">
+            <a:schemeClr val="accent1"/>
+          </a:fillRef>
+          <a:effectRef idx="0">
+            <a:schemeClr val="accent1"/>
+          </a:effectRef>
+          <a:fontRef idx="minor">
+            <a:schemeClr val="lt1"/>
+          </a:fontRef>
+        </p:style>
+        <p:txBody>
+          <a:bodyPr rtlCol="0" anchor="ctr"/>
+          <a:lstStyle/>
+          <a:p>
+            <a:pPr algn="ctr"/>
+            <a:r>
+              <a:rPr lang="en-US" altLang="zh-CN" sz="1200" dirty="0">
+                <a:solidFill>
+                  <a:schemeClr val="tx1"/>
+                </a:solidFill>
+                <a:latin typeface="UbuntuMono Nerd Font" panose="020B0509030602030204" pitchFamily="49" charset="0"/>
+              </a:rPr>
+              <a:t>call </a:t>
+            </a:r>
+            <a:r>
+              <a:rPr lang="zh-CN" altLang="en-US" sz="1200" dirty="0">
+                <a:solidFill>
+                  <a:schemeClr val="tx1"/>
+                </a:solidFill>
+                <a:latin typeface="UbuntuMono Nerd Font" panose="020B0509030602030204" pitchFamily="49" charset="0"/>
+              </a:rPr>
+              <a:t>指令（也即 </a:t>
+            </a:r>
+            <a:r>
+              <a:rPr lang="en-US" altLang="zh-CN" sz="1200" dirty="0">
+                <a:solidFill>
+                  <a:schemeClr val="tx1"/>
+                </a:solidFill>
+                <a:latin typeface="UbuntuMono Nerd Font" panose="020B0509030602030204" pitchFamily="49" charset="0"/>
+              </a:rPr>
+              <a:t>getbuf </a:t>
+            </a:r>
+            <a:r>
+              <a:rPr lang="zh-CN" altLang="en-US" sz="1200" dirty="0">
+                <a:solidFill>
+                  <a:schemeClr val="tx1"/>
+                </a:solidFill>
+                <a:latin typeface="UbuntuMono Nerd Font" panose="020B0509030602030204" pitchFamily="49" charset="0"/>
+              </a:rPr>
+              <a:t>的调用者）的下一行指令的地址</a:t>
+            </a:r>
+          </a:p>
+        </p:txBody>
+      </p:sp>
+      <p:sp>
+        <p:nvSpPr>
+          <p:cNvPr id="35" name="矩形 34">
+            <a:extLst>
+              <a:ext uri="{FF2B5EF4-FFF2-40B4-BE49-F238E27FC236}">
+                <a16:creationId xmlns:a16="http://schemas.microsoft.com/office/drawing/2014/main" id="{3C497658-9F64-B26E-4A22-523FE75E7027}"/>
+              </a:ext>
+            </a:extLst>
+          </p:cNvPr>
+          <p:cNvSpPr/>
+          <p:nvPr/>
+        </p:nvSpPr>
+        <p:spPr>
+          <a:xfrm>
+            <a:off x="3935999" y="2343950"/>
+            <a:ext cx="4319999" cy="1800000"/>
+          </a:xfrm>
+          <a:prstGeom prst="rect">
+            <a:avLst/>
+          </a:prstGeom>
+          <a:solidFill>
+            <a:schemeClr val="accent5">
+              <a:lumMod val="20000"/>
+              <a:lumOff val="80000"/>
+            </a:schemeClr>
+          </a:solidFill>
+          <a:ln>
+            <a:noFill/>
+          </a:ln>
+        </p:spPr>
+        <p:style>
+          <a:lnRef idx="2">
+            <a:schemeClr val="accent1">
+              <a:shade val="15000"/>
+            </a:schemeClr>
+          </a:lnRef>
+          <a:fillRef idx="1">
+            <a:schemeClr val="accent1"/>
+          </a:fillRef>
+          <a:effectRef idx="0">
+            <a:schemeClr val="accent1"/>
+          </a:effectRef>
+          <a:fontRef idx="minor">
+            <a:schemeClr val="lt1"/>
+          </a:fontRef>
+        </p:style>
+        <p:txBody>
+          <a:bodyPr rtlCol="0" anchor="ctr"/>
+          <a:lstStyle/>
+          <a:p>
+            <a:pPr algn="ctr"/>
+            <a:r>
+              <a:rPr lang="en-US" altLang="zh-CN" sz="1200" dirty="0">
+                <a:solidFill>
+                  <a:schemeClr val="tx1"/>
+                </a:solidFill>
+                <a:latin typeface="UbuntuMono Nerd Font" panose="020B0509030602030204" pitchFamily="49" charset="0"/>
+              </a:rPr>
+              <a:t>getbuf </a:t>
+            </a:r>
+            <a:r>
+              <a:rPr lang="zh-CN" altLang="en-US" sz="1200" dirty="0">
+                <a:solidFill>
+                  <a:schemeClr val="tx1"/>
+                </a:solidFill>
+                <a:latin typeface="UbuntuMono Nerd Font" panose="020B0509030602030204" pitchFamily="49" charset="0"/>
+              </a:rPr>
+              <a:t>本身使用的地址，这里会存放输入的串</a:t>
+            </a:r>
+          </a:p>
+        </p:txBody>
+      </p:sp>
+      <p:cxnSp>
+        <p:nvCxnSpPr>
+          <p:cNvPr id="37" name="直接箭头连接符 36">
+            <a:extLst>
+              <a:ext uri="{FF2B5EF4-FFF2-40B4-BE49-F238E27FC236}">
+                <a16:creationId xmlns:a16="http://schemas.microsoft.com/office/drawing/2014/main" id="{C65CBB44-196D-F4B7-1F25-88D0CCEC0CFE}"/>
+              </a:ext>
+            </a:extLst>
+          </p:cNvPr>
+          <p:cNvCxnSpPr>
+            <a:cxnSpLocks/>
+          </p:cNvCxnSpPr>
+          <p:nvPr/>
+        </p:nvCxnSpPr>
+        <p:spPr>
+          <a:xfrm>
+            <a:off x="1730996" y="4143950"/>
+            <a:ext cx="2205002" cy="3"/>
+          </a:xfrm>
+          <a:prstGeom prst="straightConnector1">
+            <a:avLst/>
+          </a:prstGeom>
+          <a:ln w="12700">
+            <a:tailEnd type="triangle"/>
+          </a:ln>
+        </p:spPr>
+        <p:style>
+          <a:lnRef idx="1">
+            <a:schemeClr val="dk1"/>
+          </a:lnRef>
+          <a:fillRef idx="0">
+            <a:schemeClr val="dk1"/>
+          </a:fillRef>
+          <a:effectRef idx="0">
+            <a:schemeClr val="dk1"/>
+          </a:effectRef>
+          <a:fontRef idx="minor">
+            <a:schemeClr val="tx1"/>
+          </a:fontRef>
+        </p:style>
+      </p:cxnSp>
+      <p:sp>
+        <p:nvSpPr>
+          <p:cNvPr id="38" name="文本框 37">
+            <a:extLst>
+              <a:ext uri="{FF2B5EF4-FFF2-40B4-BE49-F238E27FC236}">
+                <a16:creationId xmlns:a16="http://schemas.microsoft.com/office/drawing/2014/main" id="{DEB5B7A1-BBC4-C1F5-45DF-D6CB68C742E9}"/>
+              </a:ext>
+            </a:extLst>
+          </p:cNvPr>
+          <p:cNvSpPr txBox="1"/>
+          <p:nvPr/>
+        </p:nvSpPr>
+        <p:spPr>
+          <a:xfrm flipH="1">
+            <a:off x="1650344" y="3751517"/>
+            <a:ext cx="2205004" cy="276999"/>
+          </a:xfrm>
+          <a:prstGeom prst="rect">
+            <a:avLst/>
+          </a:prstGeom>
+          <a:noFill/>
+        </p:spPr>
+        <p:txBody>
+          <a:bodyPr wrap="square" rtlCol="0">
+            <a:spAutoFit/>
+          </a:bodyPr>
+          <a:lstStyle/>
+          <a:p>
+            <a:r>
+              <a:rPr lang="en-US" altLang="zh-CN" sz="1200" dirty="0">
+                <a:latin typeface="UbuntuMono Nerd Font" panose="020B0509030602030204" pitchFamily="49" charset="0"/>
+              </a:rPr>
+              <a:t>0x 00 00 00 00 55 61 dc 78</a:t>
+            </a:r>
+            <a:endParaRPr lang="zh-CN" altLang="en-US" sz="1200" dirty="0">
+              <a:latin typeface="UbuntuMono Nerd Font" panose="020B0509030602030204" pitchFamily="49" charset="0"/>
+            </a:endParaRPr>
+          </a:p>
+        </p:txBody>
+      </p:sp>
+      <p:cxnSp>
+        <p:nvCxnSpPr>
+          <p:cNvPr id="40" name="直接箭头连接符 39">
+            <a:extLst>
+              <a:ext uri="{FF2B5EF4-FFF2-40B4-BE49-F238E27FC236}">
+                <a16:creationId xmlns:a16="http://schemas.microsoft.com/office/drawing/2014/main" id="{5ED98F33-7158-2C34-0DEF-6EEA49418C00}"/>
+              </a:ext>
+            </a:extLst>
+          </p:cNvPr>
+          <p:cNvCxnSpPr>
+            <a:cxnSpLocks/>
+          </p:cNvCxnSpPr>
+          <p:nvPr/>
+        </p:nvCxnSpPr>
+        <p:spPr>
+          <a:xfrm>
+            <a:off x="1730996" y="2348739"/>
+            <a:ext cx="2205002" cy="0"/>
+          </a:xfrm>
+          <a:prstGeom prst="straightConnector1">
+            <a:avLst/>
+          </a:prstGeom>
+          <a:ln w="12700">
+            <a:tailEnd type="triangle"/>
+          </a:ln>
+        </p:spPr>
+        <p:style>
+          <a:lnRef idx="1">
+            <a:schemeClr val="dk1"/>
+          </a:lnRef>
+          <a:fillRef idx="0">
+            <a:schemeClr val="dk1"/>
+          </a:fillRef>
+          <a:effectRef idx="0">
+            <a:schemeClr val="dk1"/>
+          </a:effectRef>
+          <a:fontRef idx="minor">
+            <a:schemeClr val="tx1"/>
+          </a:fontRef>
+        </p:style>
+      </p:cxnSp>
+      <p:sp>
+        <p:nvSpPr>
+          <p:cNvPr id="41" name="文本框 40">
+            <a:extLst>
+              <a:ext uri="{FF2B5EF4-FFF2-40B4-BE49-F238E27FC236}">
+                <a16:creationId xmlns:a16="http://schemas.microsoft.com/office/drawing/2014/main" id="{31E300D1-E7DA-4369-3DF3-30A080CF75F5}"/>
+              </a:ext>
+            </a:extLst>
+          </p:cNvPr>
+          <p:cNvSpPr txBox="1"/>
+          <p:nvPr/>
+        </p:nvSpPr>
+        <p:spPr>
+          <a:xfrm flipH="1">
+            <a:off x="1652242" y="2027975"/>
+            <a:ext cx="2205004" cy="276999"/>
+          </a:xfrm>
+          <a:prstGeom prst="rect">
+            <a:avLst/>
+          </a:prstGeom>
+          <a:noFill/>
+        </p:spPr>
+        <p:txBody>
+          <a:bodyPr wrap="square" rtlCol="0">
+            <a:spAutoFit/>
+          </a:bodyPr>
+          <a:lstStyle/>
+          <a:p>
+            <a:r>
+              <a:rPr lang="en-US" altLang="zh-CN" sz="1200" dirty="0">
+                <a:latin typeface="UbuntuMono Nerd Font" panose="020B0509030602030204" pitchFamily="49" charset="0"/>
+              </a:rPr>
+              <a:t>0x 00 00 00 00 55 61 dc a0</a:t>
+            </a:r>
+            <a:endParaRPr lang="zh-CN" altLang="en-US" sz="1200" dirty="0">
+              <a:latin typeface="UbuntuMono Nerd Font" panose="020B0509030602030204" pitchFamily="49" charset="0"/>
+            </a:endParaRPr>
+          </a:p>
+        </p:txBody>
+      </p:sp>
+      <p:sp>
+        <p:nvSpPr>
+          <p:cNvPr id="42" name="右大括号 41">
+            <a:extLst>
+              <a:ext uri="{FF2B5EF4-FFF2-40B4-BE49-F238E27FC236}">
+                <a16:creationId xmlns:a16="http://schemas.microsoft.com/office/drawing/2014/main" id="{BC685977-1BB5-6858-1A22-C5A977273F2F}"/>
+              </a:ext>
+            </a:extLst>
+          </p:cNvPr>
+          <p:cNvSpPr/>
+          <p:nvPr/>
+        </p:nvSpPr>
+        <p:spPr>
+          <a:xfrm flipH="1">
+            <a:off x="1168497" y="2362259"/>
+            <a:ext cx="405000" cy="1781691"/>
+          </a:xfrm>
+          <a:prstGeom prst="rightBrace">
+            <a:avLst/>
+          </a:prstGeom>
+          <a:ln w="12700"/>
+        </p:spPr>
+        <p:style>
+          <a:lnRef idx="1">
+            <a:schemeClr val="dk1"/>
+          </a:lnRef>
+          <a:fillRef idx="0">
+            <a:schemeClr val="dk1"/>
+          </a:fillRef>
+          <a:effectRef idx="0">
+            <a:schemeClr val="dk1"/>
+          </a:effectRef>
+          <a:fontRef idx="minor">
+            <a:schemeClr val="tx1"/>
+          </a:fontRef>
+        </p:style>
+        <p:txBody>
+          <a:bodyPr rtlCol="0" anchor="ctr"/>
+          <a:lstStyle/>
+          <a:p>
+            <a:pPr algn="ctr"/>
+            <a:endParaRPr lang="zh-CN" altLang="en-US" sz="1200" dirty="0">
+              <a:latin typeface="UbuntuMono Nerd Font" panose="020B0509030602030204" pitchFamily="49" charset="0"/>
+            </a:endParaRPr>
+          </a:p>
+        </p:txBody>
+      </p:sp>
+      <p:sp>
+        <p:nvSpPr>
+          <p:cNvPr id="43" name="文本框 42">
+            <a:extLst>
+              <a:ext uri="{FF2B5EF4-FFF2-40B4-BE49-F238E27FC236}">
+                <a16:creationId xmlns:a16="http://schemas.microsoft.com/office/drawing/2014/main" id="{1C1BD954-3F5A-F6B7-4364-B4CBD24FA5D4}"/>
+              </a:ext>
+            </a:extLst>
+          </p:cNvPr>
+          <p:cNvSpPr txBox="1"/>
+          <p:nvPr/>
+        </p:nvSpPr>
+        <p:spPr>
+          <a:xfrm flipH="1">
+            <a:off x="486902" y="3105450"/>
+            <a:ext cx="723275" cy="276999"/>
+          </a:xfrm>
+          <a:prstGeom prst="rect">
+            <a:avLst/>
+          </a:prstGeom>
+          <a:noFill/>
+        </p:spPr>
+        <p:txBody>
+          <a:bodyPr wrap="none" rtlCol="0">
+            <a:spAutoFit/>
+          </a:bodyPr>
+          <a:lstStyle/>
+          <a:p>
+            <a:r>
+              <a:rPr lang="en-US" altLang="zh-CN" sz="1200" dirty="0">
+                <a:latin typeface="UbuntuMono Nerd Font" panose="020B0509030602030204" pitchFamily="49" charset="0"/>
+              </a:rPr>
+              <a:t>40 </a:t>
+            </a:r>
+            <a:r>
+              <a:rPr lang="zh-CN" altLang="en-US" sz="1200" dirty="0">
+                <a:latin typeface="UbuntuMono Nerd Font" panose="020B0509030602030204" pitchFamily="49" charset="0"/>
+              </a:rPr>
+              <a:t>字节</a:t>
+            </a:r>
+          </a:p>
+        </p:txBody>
+      </p:sp>
+      <p:cxnSp>
+        <p:nvCxnSpPr>
+          <p:cNvPr id="44" name="直接箭头连接符 43">
+            <a:extLst>
+              <a:ext uri="{FF2B5EF4-FFF2-40B4-BE49-F238E27FC236}">
+                <a16:creationId xmlns:a16="http://schemas.microsoft.com/office/drawing/2014/main" id="{518D60DA-CFD0-B196-5ABF-64A66681022E}"/>
+              </a:ext>
+            </a:extLst>
+          </p:cNvPr>
+          <p:cNvCxnSpPr>
+            <a:cxnSpLocks/>
+          </p:cNvCxnSpPr>
+          <p:nvPr/>
+        </p:nvCxnSpPr>
+        <p:spPr>
+          <a:xfrm flipH="1">
+            <a:off x="8334752" y="2170640"/>
+            <a:ext cx="2880002" cy="0"/>
+          </a:xfrm>
+          <a:prstGeom prst="straightConnector1">
+            <a:avLst/>
+          </a:prstGeom>
+          <a:ln w="12700">
+            <a:tailEnd type="triangle"/>
+          </a:ln>
+        </p:spPr>
+        <p:style>
+          <a:lnRef idx="1">
+            <a:schemeClr val="dk1"/>
+          </a:lnRef>
+          <a:fillRef idx="0">
+            <a:schemeClr val="dk1"/>
+          </a:fillRef>
+          <a:effectRef idx="0">
+            <a:schemeClr val="dk1"/>
+          </a:effectRef>
+          <a:fontRef idx="minor">
+            <a:schemeClr val="tx1"/>
+          </a:fontRef>
+        </p:style>
+      </p:cxnSp>
+      <p:sp>
+        <p:nvSpPr>
+          <p:cNvPr id="47" name="文本框 46">
+            <a:extLst>
+              <a:ext uri="{FF2B5EF4-FFF2-40B4-BE49-F238E27FC236}">
+                <a16:creationId xmlns:a16="http://schemas.microsoft.com/office/drawing/2014/main" id="{D19E17DD-7B60-86A3-D229-A0EDBBAC1B14}"/>
+              </a:ext>
+            </a:extLst>
+          </p:cNvPr>
+          <p:cNvSpPr txBox="1"/>
+          <p:nvPr/>
+        </p:nvSpPr>
+        <p:spPr>
+          <a:xfrm flipH="1">
+            <a:off x="8390999" y="1896173"/>
+            <a:ext cx="3160507" cy="276999"/>
+          </a:xfrm>
+          <a:prstGeom prst="rect">
+            <a:avLst/>
+          </a:prstGeom>
+          <a:noFill/>
+        </p:spPr>
+        <p:txBody>
+          <a:bodyPr wrap="square" rtlCol="0">
+            <a:spAutoFit/>
+          </a:bodyPr>
+          <a:lstStyle/>
+          <a:p>
+            <a:r>
+              <a:rPr lang="zh-CN" altLang="en-US" sz="1200" dirty="0">
+                <a:latin typeface="UbuntuMono Nerd Font" panose="020B0509030602030204" pitchFamily="49" charset="0"/>
+              </a:rPr>
+              <a:t>（被篡改为）</a:t>
+            </a:r>
+            <a:r>
+              <a:rPr lang="pl-PL" altLang="zh-CN" sz="1200" dirty="0">
+                <a:latin typeface="UbuntuMono Nerd Font" panose="020B0509030602030204" pitchFamily="49" charset="0"/>
+              </a:rPr>
+              <a:t>0x</a:t>
+            </a:r>
+            <a:r>
+              <a:rPr lang="en-US" altLang="zh-CN" sz="1200" dirty="0">
+                <a:latin typeface="UbuntuMono Nerd Font" panose="020B0509030602030204" pitchFamily="49" charset="0"/>
+              </a:rPr>
+              <a:t> </a:t>
+            </a:r>
+            <a:r>
+              <a:rPr lang="pl-PL" altLang="zh-CN" sz="1200" dirty="0">
+                <a:latin typeface="UbuntuMono Nerd Font" panose="020B0509030602030204" pitchFamily="49" charset="0"/>
+              </a:rPr>
+              <a:t>78 DC 61 55 00 00 00 00</a:t>
+            </a:r>
+          </a:p>
+        </p:txBody>
+      </p:sp>
+      <p:sp>
+        <p:nvSpPr>
+          <p:cNvPr id="48" name="文本框 47">
+            <a:extLst>
+              <a:ext uri="{FF2B5EF4-FFF2-40B4-BE49-F238E27FC236}">
+                <a16:creationId xmlns:a16="http://schemas.microsoft.com/office/drawing/2014/main" id="{84347185-4C20-4B79-B0B6-D572C831C07B}"/>
+              </a:ext>
+            </a:extLst>
+          </p:cNvPr>
+          <p:cNvSpPr txBox="1"/>
+          <p:nvPr/>
+        </p:nvSpPr>
+        <p:spPr>
+          <a:xfrm>
+            <a:off x="2509382" y="166278"/>
+            <a:ext cx="646331" cy="369332"/>
+          </a:xfrm>
+          <a:prstGeom prst="rect">
+            <a:avLst/>
+          </a:prstGeom>
+          <a:noFill/>
+        </p:spPr>
+        <p:txBody>
+          <a:bodyPr wrap="none" rtlCol="0">
+            <a:spAutoFit/>
+          </a:bodyPr>
+          <a:lstStyle/>
+          <a:p>
+            <a:r>
+              <a:rPr lang="zh-CN" altLang="en-US" dirty="0">
+                <a:latin typeface="UbuntuMono Nerd Font" panose="020B0509030602030204" pitchFamily="49" charset="0"/>
+              </a:rPr>
+              <a:t>地址</a:t>
+            </a:r>
+          </a:p>
+        </p:txBody>
+      </p:sp>
+      <p:sp>
+        <p:nvSpPr>
+          <p:cNvPr id="49" name="文本框 48">
+            <a:extLst>
+              <a:ext uri="{FF2B5EF4-FFF2-40B4-BE49-F238E27FC236}">
+                <a16:creationId xmlns:a16="http://schemas.microsoft.com/office/drawing/2014/main" id="{B64914EC-0AE1-516C-2DBA-ED32EA942ED2}"/>
+              </a:ext>
+            </a:extLst>
+          </p:cNvPr>
+          <p:cNvSpPr txBox="1"/>
+          <p:nvPr/>
+        </p:nvSpPr>
+        <p:spPr>
+          <a:xfrm>
+            <a:off x="9359452" y="166278"/>
+            <a:ext cx="646331" cy="369332"/>
+          </a:xfrm>
+          <a:prstGeom prst="rect">
+            <a:avLst/>
+          </a:prstGeom>
+          <a:noFill/>
+        </p:spPr>
+        <p:txBody>
+          <a:bodyPr wrap="none" rtlCol="0">
+            <a:spAutoFit/>
+          </a:bodyPr>
+          <a:lstStyle/>
+          <a:p>
+            <a:r>
+              <a:rPr lang="zh-CN" altLang="en-US" dirty="0">
+                <a:latin typeface="UbuntuMono Nerd Font" panose="020B0509030602030204" pitchFamily="49" charset="0"/>
+              </a:rPr>
+              <a:t>内容</a:t>
+            </a:r>
+          </a:p>
+        </p:txBody>
+      </p:sp>
+      <p:sp>
+        <p:nvSpPr>
+          <p:cNvPr id="2" name="矩形 1">
+            <a:extLst>
+              <a:ext uri="{FF2B5EF4-FFF2-40B4-BE49-F238E27FC236}">
+                <a16:creationId xmlns:a16="http://schemas.microsoft.com/office/drawing/2014/main" id="{404D79AA-A666-0897-433E-367527A54F96}"/>
+              </a:ext>
+            </a:extLst>
+          </p:cNvPr>
+          <p:cNvSpPr/>
+          <p:nvPr/>
+        </p:nvSpPr>
+        <p:spPr>
+          <a:xfrm>
+            <a:off x="4296000" y="3751517"/>
+            <a:ext cx="3600000" cy="387643"/>
+          </a:xfrm>
+          <a:prstGeom prst="rect">
+            <a:avLst/>
+          </a:prstGeom>
+          <a:solidFill>
+            <a:schemeClr val="accent1">
+              <a:lumMod val="40000"/>
+              <a:lumOff val="60000"/>
+            </a:schemeClr>
+          </a:solidFill>
+        </p:spPr>
+        <p:style>
+          <a:lnRef idx="2">
+            <a:schemeClr val="accent1">
+              <a:shade val="15000"/>
+            </a:schemeClr>
+          </a:lnRef>
+          <a:fillRef idx="1">
+            <a:schemeClr val="accent1"/>
+          </a:fillRef>
+          <a:effectRef idx="0">
+            <a:schemeClr val="accent1"/>
+          </a:effectRef>
+          <a:fontRef idx="minor">
+            <a:schemeClr val="lt1"/>
+          </a:fontRef>
+        </p:style>
+        <p:txBody>
+          <a:bodyPr rtlCol="0" anchor="ctr"/>
+          <a:lstStyle/>
+          <a:p>
+            <a:pPr algn="ctr"/>
+            <a:r>
+              <a:rPr lang="zh-CN" altLang="en-US" sz="1200" dirty="0">
+                <a:solidFill>
+                  <a:schemeClr val="tx1"/>
+                </a:solidFill>
+                <a:latin typeface="UbuntuMono Nerd Font" panose="020B0509030602030204" pitchFamily="49" charset="0"/>
+              </a:rPr>
+              <a:t>其中 </a:t>
+            </a:r>
+            <a:r>
+              <a:rPr lang="en-US" altLang="zh-CN" sz="1200" dirty="0">
+                <a:solidFill>
+                  <a:schemeClr val="tx1"/>
+                </a:solidFill>
+                <a:latin typeface="UbuntuMono Nerd Font" panose="020B0509030602030204" pitchFamily="49" charset="0"/>
+              </a:rPr>
+              <a:t>8 </a:t>
+            </a:r>
+            <a:r>
+              <a:rPr lang="zh-CN" altLang="en-US" sz="1200" dirty="0">
+                <a:solidFill>
+                  <a:schemeClr val="tx1"/>
+                </a:solidFill>
+                <a:latin typeface="UbuntuMono Nerd Font" panose="020B0509030602030204" pitchFamily="49" charset="0"/>
+              </a:rPr>
+              <a:t>字节是需要的指令</a:t>
+            </a:r>
+          </a:p>
+        </p:txBody>
+      </p:sp>
+      <p:cxnSp>
+        <p:nvCxnSpPr>
+          <p:cNvPr id="3" name="直接箭头连接符 2">
+            <a:extLst>
+              <a:ext uri="{FF2B5EF4-FFF2-40B4-BE49-F238E27FC236}">
+                <a16:creationId xmlns:a16="http://schemas.microsoft.com/office/drawing/2014/main" id="{972CC610-AD43-C51E-EE88-B859FA438717}"/>
+              </a:ext>
+            </a:extLst>
+          </p:cNvPr>
+          <p:cNvCxnSpPr>
+            <a:cxnSpLocks/>
+          </p:cNvCxnSpPr>
+          <p:nvPr/>
+        </p:nvCxnSpPr>
+        <p:spPr>
+          <a:xfrm flipH="1">
+            <a:off x="8391000" y="3892542"/>
+            <a:ext cx="2880002" cy="0"/>
+          </a:xfrm>
+          <a:prstGeom prst="straightConnector1">
+            <a:avLst/>
+          </a:prstGeom>
+          <a:ln w="12700">
+            <a:tailEnd type="triangle"/>
+          </a:ln>
+        </p:spPr>
+        <p:style>
+          <a:lnRef idx="1">
+            <a:schemeClr val="dk1"/>
+          </a:lnRef>
+          <a:fillRef idx="0">
+            <a:schemeClr val="dk1"/>
+          </a:fillRef>
+          <a:effectRef idx="0">
+            <a:schemeClr val="dk1"/>
+          </a:effectRef>
+          <a:fontRef idx="minor">
+            <a:schemeClr val="tx1"/>
+          </a:fontRef>
+        </p:style>
+      </p:cxnSp>
+      <p:sp>
+        <p:nvSpPr>
+          <p:cNvPr id="4" name="文本框 3">
+            <a:extLst>
+              <a:ext uri="{FF2B5EF4-FFF2-40B4-BE49-F238E27FC236}">
+                <a16:creationId xmlns:a16="http://schemas.microsoft.com/office/drawing/2014/main" id="{EEAFCBE6-9138-1A96-34CA-3C6716982792}"/>
+              </a:ext>
+            </a:extLst>
+          </p:cNvPr>
+          <p:cNvSpPr txBox="1"/>
+          <p:nvPr/>
+        </p:nvSpPr>
+        <p:spPr>
+          <a:xfrm flipH="1">
+            <a:off x="8526000" y="3613017"/>
+            <a:ext cx="2497502" cy="276999"/>
+          </a:xfrm>
+          <a:prstGeom prst="rect">
+            <a:avLst/>
+          </a:prstGeom>
+          <a:noFill/>
+        </p:spPr>
+        <p:txBody>
+          <a:bodyPr wrap="square" rtlCol="0">
+            <a:spAutoFit/>
+          </a:bodyPr>
+          <a:lstStyle/>
+          <a:p>
+            <a:r>
+              <a:rPr lang="pt-BR" altLang="zh-CN" sz="1200" dirty="0">
+                <a:latin typeface="UbuntuMono Nerd Font" panose="020B0509030602030204" pitchFamily="49" charset="0"/>
+              </a:rPr>
+              <a:t> 0x 48 C7 C7 FA 97 B9 59 C3</a:t>
+            </a:r>
+          </a:p>
+        </p:txBody>
+      </p:sp>
+      <p:cxnSp>
+        <p:nvCxnSpPr>
+          <p:cNvPr id="14" name="连接符: 曲线 13">
+            <a:extLst>
+              <a:ext uri="{FF2B5EF4-FFF2-40B4-BE49-F238E27FC236}">
+                <a16:creationId xmlns:a16="http://schemas.microsoft.com/office/drawing/2014/main" id="{CB656067-2706-405F-FAA2-9859B921A8A1}"/>
+              </a:ext>
+            </a:extLst>
+          </p:cNvPr>
+          <p:cNvCxnSpPr>
+            <a:cxnSpLocks/>
+          </p:cNvCxnSpPr>
+          <p:nvPr/>
+        </p:nvCxnSpPr>
+        <p:spPr>
+          <a:xfrm rot="10800000" flipV="1">
+            <a:off x="3801000" y="2402736"/>
+            <a:ext cx="5827269" cy="1469609"/>
+          </a:xfrm>
+          <a:prstGeom prst="curvedConnector3">
+            <a:avLst>
+              <a:gd name="adj1" fmla="val -6198"/>
+            </a:avLst>
+          </a:prstGeom>
+          <a:ln w="19050">
+            <a:solidFill>
+              <a:srgbClr val="FF0000"/>
+            </a:solidFill>
+            <a:prstDash val="dash"/>
+            <a:tailEnd type="triangle"/>
+          </a:ln>
+        </p:spPr>
+        <p:style>
+          <a:lnRef idx="1">
+            <a:schemeClr val="accent1"/>
+          </a:lnRef>
+          <a:fillRef idx="0">
+            <a:schemeClr val="accent1"/>
+          </a:fillRef>
+          <a:effectRef idx="0">
+            <a:schemeClr val="accent1"/>
+          </a:effectRef>
+          <a:fontRef idx="minor">
+            <a:schemeClr val="tx1"/>
+          </a:fontRef>
+        </p:style>
+      </p:cxnSp>
+      <p:sp>
+        <p:nvSpPr>
+          <p:cNvPr id="36" name="文本框 35">
+            <a:extLst>
+              <a:ext uri="{FF2B5EF4-FFF2-40B4-BE49-F238E27FC236}">
+                <a16:creationId xmlns:a16="http://schemas.microsoft.com/office/drawing/2014/main" id="{948970EE-0665-41F8-26AC-71B2E4213920}"/>
+              </a:ext>
+            </a:extLst>
+          </p:cNvPr>
+          <p:cNvSpPr txBox="1"/>
+          <p:nvPr/>
+        </p:nvSpPr>
+        <p:spPr>
+          <a:xfrm>
+            <a:off x="8723005" y="2869377"/>
+            <a:ext cx="1107996" cy="276999"/>
+          </a:xfrm>
+          <a:prstGeom prst="rect">
+            <a:avLst/>
+          </a:prstGeom>
+          <a:noFill/>
+        </p:spPr>
+        <p:txBody>
+          <a:bodyPr wrap="none" rtlCol="0">
+            <a:spAutoFit/>
+          </a:bodyPr>
+          <a:lstStyle/>
+          <a:p>
+            <a:r>
+              <a:rPr lang="zh-CN" altLang="en-US" sz="1200" b="1" dirty="0">
+                <a:latin typeface="UbuntuMono Nerd Font" panose="020B0509030602030204" pitchFamily="49" charset="0"/>
+              </a:rPr>
+              <a:t>恰好指向栈顶</a:t>
+            </a:r>
+          </a:p>
+        </p:txBody>
+      </p:sp>
+      <p:cxnSp>
+        <p:nvCxnSpPr>
+          <p:cNvPr id="46" name="直接箭头连接符 45">
+            <a:extLst>
+              <a:ext uri="{FF2B5EF4-FFF2-40B4-BE49-F238E27FC236}">
+                <a16:creationId xmlns:a16="http://schemas.microsoft.com/office/drawing/2014/main" id="{EAEB8D65-DD5A-D6FA-F69C-44C984E147C0}"/>
+              </a:ext>
+            </a:extLst>
+          </p:cNvPr>
+          <p:cNvCxnSpPr>
+            <a:cxnSpLocks/>
+          </p:cNvCxnSpPr>
+          <p:nvPr/>
+        </p:nvCxnSpPr>
+        <p:spPr>
+          <a:xfrm flipH="1">
+            <a:off x="8391000" y="1801343"/>
+            <a:ext cx="2880002" cy="0"/>
+          </a:xfrm>
+          <a:prstGeom prst="straightConnector1">
+            <a:avLst/>
+          </a:prstGeom>
+          <a:ln w="12700">
+            <a:tailEnd type="triangle"/>
+          </a:ln>
+        </p:spPr>
+        <p:style>
+          <a:lnRef idx="1">
+            <a:schemeClr val="dk1"/>
+          </a:lnRef>
+          <a:fillRef idx="0">
+            <a:schemeClr val="dk1"/>
+          </a:fillRef>
+          <a:effectRef idx="0">
+            <a:schemeClr val="dk1"/>
+          </a:effectRef>
+          <a:fontRef idx="minor">
+            <a:schemeClr val="tx1"/>
+          </a:fontRef>
+        </p:style>
+      </p:cxnSp>
+      <p:sp>
+        <p:nvSpPr>
+          <p:cNvPr id="50" name="文本框 49">
+            <a:extLst>
+              <a:ext uri="{FF2B5EF4-FFF2-40B4-BE49-F238E27FC236}">
+                <a16:creationId xmlns:a16="http://schemas.microsoft.com/office/drawing/2014/main" id="{F05F0E81-3D58-130A-7748-611D4FC96DF1}"/>
+              </a:ext>
+            </a:extLst>
+          </p:cNvPr>
+          <p:cNvSpPr txBox="1"/>
+          <p:nvPr/>
+        </p:nvSpPr>
+        <p:spPr>
+          <a:xfrm flipH="1">
+            <a:off x="8356507" y="1337151"/>
+            <a:ext cx="3195000" cy="461665"/>
+          </a:xfrm>
+          <a:prstGeom prst="rect">
+            <a:avLst/>
+          </a:prstGeom>
+          <a:noFill/>
+        </p:spPr>
+        <p:txBody>
+          <a:bodyPr wrap="square" rtlCol="0">
+            <a:spAutoFit/>
+          </a:bodyPr>
+          <a:lstStyle/>
+          <a:p>
+            <a:r>
+              <a:rPr lang="zh-CN" altLang="en-US" sz="1200" dirty="0">
+                <a:latin typeface="UbuntuMono Nerd Font" panose="020B0509030602030204" pitchFamily="49" charset="0"/>
+              </a:rPr>
+              <a:t>（被篡改为）</a:t>
+            </a:r>
+            <a:r>
+              <a:rPr lang="pl-PL" altLang="zh-CN" sz="1200" dirty="0">
+                <a:latin typeface="UbuntuMono Nerd Font" panose="020B0509030602030204" pitchFamily="49" charset="0"/>
+              </a:rPr>
+              <a:t>0x</a:t>
+            </a:r>
+            <a:r>
+              <a:rPr lang="en-US" altLang="zh-CN" sz="1200" dirty="0">
+                <a:latin typeface="UbuntuMono Nerd Font" panose="020B0509030602030204" pitchFamily="49" charset="0"/>
+              </a:rPr>
+              <a:t> BE</a:t>
+            </a:r>
+            <a:r>
+              <a:rPr lang="pl-PL" altLang="zh-CN" sz="1200" dirty="0">
+                <a:latin typeface="UbuntuMono Nerd Font" panose="020B0509030602030204" pitchFamily="49" charset="0"/>
+              </a:rPr>
+              <a:t> </a:t>
+            </a:r>
+            <a:r>
+              <a:rPr lang="en-US" altLang="zh-CN" sz="1200" dirty="0">
+                <a:latin typeface="UbuntuMono Nerd Font" panose="020B0509030602030204" pitchFamily="49" charset="0"/>
+              </a:rPr>
+              <a:t>17</a:t>
+            </a:r>
+            <a:r>
+              <a:rPr lang="pl-PL" altLang="zh-CN" sz="1200" dirty="0">
+                <a:latin typeface="UbuntuMono Nerd Font" panose="020B0509030602030204" pitchFamily="49" charset="0"/>
+              </a:rPr>
+              <a:t> </a:t>
+            </a:r>
+            <a:r>
+              <a:rPr lang="en-US" altLang="zh-CN" sz="1200" dirty="0">
+                <a:latin typeface="UbuntuMono Nerd Font" panose="020B0509030602030204" pitchFamily="49" charset="0"/>
+              </a:rPr>
+              <a:t>40</a:t>
+            </a:r>
+            <a:r>
+              <a:rPr lang="pl-PL" altLang="zh-CN" sz="1200" dirty="0">
+                <a:latin typeface="UbuntuMono Nerd Font" panose="020B0509030602030204" pitchFamily="49" charset="0"/>
+              </a:rPr>
+              <a:t> </a:t>
+            </a:r>
+            <a:r>
+              <a:rPr lang="en-US" altLang="zh-CN" sz="1200" dirty="0">
+                <a:latin typeface="UbuntuMono Nerd Font" panose="020B0509030602030204" pitchFamily="49" charset="0"/>
+              </a:rPr>
+              <a:t>00</a:t>
+            </a:r>
+            <a:r>
+              <a:rPr lang="pl-PL" altLang="zh-CN" sz="1200" dirty="0">
+                <a:latin typeface="UbuntuMono Nerd Font" panose="020B0509030602030204" pitchFamily="49" charset="0"/>
+              </a:rPr>
+              <a:t> 00 00 00 00</a:t>
+            </a:r>
+            <a:endParaRPr lang="en-US" altLang="zh-CN" sz="1200" dirty="0">
+              <a:latin typeface="UbuntuMono Nerd Font" panose="020B0509030602030204" pitchFamily="49" charset="0"/>
+            </a:endParaRPr>
+          </a:p>
+          <a:p>
+            <a:r>
+              <a:rPr lang="zh-CN" altLang="en-US" sz="1200" dirty="0">
+                <a:latin typeface="UbuntuMono Nerd Font" panose="020B0509030602030204" pitchFamily="49" charset="0"/>
+              </a:rPr>
+              <a:t>（指向 </a:t>
+            </a:r>
+            <a:r>
+              <a:rPr lang="en-US" altLang="zh-CN" sz="1200" dirty="0">
+                <a:latin typeface="UbuntuMono Nerd Font" panose="020B0509030602030204" pitchFamily="49" charset="0"/>
+              </a:rPr>
+              <a:t>touch 2</a:t>
+            </a:r>
+            <a:r>
+              <a:rPr lang="zh-CN" altLang="en-US" sz="1200" dirty="0">
+                <a:latin typeface="UbuntuMono Nerd Font" panose="020B0509030602030204" pitchFamily="49" charset="0"/>
+              </a:rPr>
+              <a:t>）</a:t>
+            </a:r>
+            <a:endParaRPr lang="pl-PL" altLang="zh-CN" sz="1200" dirty="0">
+              <a:latin typeface="UbuntuMono Nerd Font" panose="020B0509030602030204" pitchFamily="49" charset="0"/>
+            </a:endParaRPr>
+          </a:p>
+        </p:txBody>
+      </p:sp>
+    </p:spTree>
+    <p:extLst>
+      <p:ext uri="{BB962C8B-B14F-4D97-AF65-F5344CB8AC3E}">
+        <p14:creationId xmlns:p14="http://schemas.microsoft.com/office/powerpoint/2010/main" val="4220431857"/>
+      </p:ext>
+    </p:extLst>
+  </p:cSld>
+  <p:clrMapOvr>
+    <a:masterClrMapping/>
+  </p:clrMapOvr>
+</p:sld>
+</file>
+
+<file path=ppt/slides/slide4.xml><?xml version="1.0" encoding="utf-8"?>
+<p:sld xmlns:a="http://schemas.openxmlformats.org/drawingml/2006/main" xmlns:r="http://schemas.openxmlformats.org/officeDocument/2006/relationships" xmlns:p="http://schemas.openxmlformats.org/presentationml/2006/main">
+  <p:cSld>
+    <p:spTree>
+      <p:nvGrpSpPr>
+        <p:cNvPr id="1" name="">
+          <a:extLst>
+            <a:ext uri="{FF2B5EF4-FFF2-40B4-BE49-F238E27FC236}">
+              <a16:creationId xmlns:a16="http://schemas.microsoft.com/office/drawing/2014/main" id="{4C255789-F974-1128-3EF5-6FA831CEC1FA}"/>
+            </a:ext>
+          </a:extLst>
+        </p:cNvPr>
+        <p:cNvGrpSpPr/>
+        <p:nvPr/>
+      </p:nvGrpSpPr>
+      <p:grpSpPr>
+        <a:xfrm>
+          <a:off x="0" y="0"/>
+          <a:ext cx="0" cy="0"/>
+          <a:chOff x="0" y="0"/>
+          <a:chExt cx="0" cy="0"/>
+        </a:xfrm>
+      </p:grpSpPr>
+      <p:sp>
+        <p:nvSpPr>
+          <p:cNvPr id="29" name="矩形 28">
+            <a:extLst>
+              <a:ext uri="{FF2B5EF4-FFF2-40B4-BE49-F238E27FC236}">
+                <a16:creationId xmlns:a16="http://schemas.microsoft.com/office/drawing/2014/main" id="{281D3D7F-6FEB-7B8F-9AE2-61EFF7FE7764}"/>
+              </a:ext>
+            </a:extLst>
+          </p:cNvPr>
+          <p:cNvSpPr/>
+          <p:nvPr/>
+        </p:nvSpPr>
+        <p:spPr>
+          <a:xfrm>
+            <a:off x="3936001" y="3419160"/>
+            <a:ext cx="3600003" cy="365050"/>
+          </a:xfrm>
+          <a:prstGeom prst="rect">
+            <a:avLst/>
+          </a:prstGeom>
+          <a:solidFill>
+            <a:schemeClr val="accent5">
+              <a:lumMod val="40000"/>
+              <a:lumOff val="60000"/>
+            </a:schemeClr>
+          </a:solidFill>
+          <a:ln>
+            <a:noFill/>
+          </a:ln>
+        </p:spPr>
+        <p:style>
+          <a:lnRef idx="2">
+            <a:schemeClr val="accent1">
+              <a:shade val="15000"/>
+            </a:schemeClr>
+          </a:lnRef>
+          <a:fillRef idx="1">
+            <a:schemeClr val="accent1"/>
+          </a:fillRef>
+          <a:effectRef idx="0">
+            <a:schemeClr val="accent1"/>
+          </a:effectRef>
+          <a:fontRef idx="minor">
+            <a:schemeClr val="lt1"/>
+          </a:fontRef>
+        </p:style>
+        <p:txBody>
+          <a:bodyPr rtlCol="0" anchor="ctr"/>
+          <a:lstStyle/>
+          <a:p>
+            <a:pPr algn="ctr"/>
+            <a:r>
+              <a:rPr lang="en-US" altLang="zh-CN" sz="1200" dirty="0">
+                <a:solidFill>
+                  <a:schemeClr val="tx1"/>
+                </a:solidFill>
+                <a:latin typeface="UbuntuMono Nerd Font" panose="020B0509030602030204" pitchFamily="49" charset="0"/>
+              </a:rPr>
+              <a:t>gadget 3 :	     pop %rax</a:t>
+            </a:r>
+            <a:endParaRPr lang="zh-CN" altLang="en-US" sz="1200" dirty="0">
+              <a:solidFill>
+                <a:schemeClr val="tx1"/>
+              </a:solidFill>
+              <a:latin typeface="UbuntuMono Nerd Font" panose="020B0509030602030204" pitchFamily="49" charset="0"/>
+            </a:endParaRPr>
+          </a:p>
+        </p:txBody>
+      </p:sp>
+      <p:sp>
+        <p:nvSpPr>
+          <p:cNvPr id="33" name="矩形 32">
+            <a:extLst>
+              <a:ext uri="{FF2B5EF4-FFF2-40B4-BE49-F238E27FC236}">
+                <a16:creationId xmlns:a16="http://schemas.microsoft.com/office/drawing/2014/main" id="{469EF98B-CABF-DEC4-FA23-8DA1B65CC985}"/>
+              </a:ext>
+            </a:extLst>
+          </p:cNvPr>
+          <p:cNvSpPr/>
+          <p:nvPr/>
+        </p:nvSpPr>
+        <p:spPr>
+          <a:xfrm>
+            <a:off x="3936000" y="3784210"/>
+            <a:ext cx="3600003" cy="365050"/>
+          </a:xfrm>
+          <a:prstGeom prst="rect">
+            <a:avLst/>
+          </a:prstGeom>
+          <a:solidFill>
+            <a:schemeClr val="accent5">
+              <a:lumMod val="20000"/>
+              <a:lumOff val="80000"/>
+            </a:schemeClr>
+          </a:solidFill>
+          <a:ln>
+            <a:noFill/>
+          </a:ln>
+        </p:spPr>
+        <p:style>
+          <a:lnRef idx="2">
+            <a:schemeClr val="accent1">
+              <a:shade val="15000"/>
+            </a:schemeClr>
+          </a:lnRef>
+          <a:fillRef idx="1">
+            <a:schemeClr val="accent1"/>
+          </a:fillRef>
+          <a:effectRef idx="0">
+            <a:schemeClr val="accent1"/>
+          </a:effectRef>
+          <a:fontRef idx="minor">
+            <a:schemeClr val="lt1"/>
+          </a:fontRef>
+        </p:style>
+        <p:txBody>
+          <a:bodyPr rtlCol="0" anchor="ctr"/>
+          <a:lstStyle/>
+          <a:p>
+            <a:pPr algn="ctr"/>
+            <a:r>
+              <a:rPr lang="en-US" altLang="zh-CN" sz="1200" dirty="0">
+                <a:solidFill>
+                  <a:schemeClr val="tx1"/>
+                </a:solidFill>
+                <a:latin typeface="UbuntuMono Nerd Font" panose="020B0509030602030204" pitchFamily="49" charset="0"/>
+              </a:rPr>
+              <a:t>gadget 2 : movq %rax,%rdi</a:t>
+            </a:r>
+            <a:endParaRPr lang="zh-CN" altLang="en-US" sz="1200" dirty="0">
+              <a:solidFill>
+                <a:schemeClr val="tx1"/>
+              </a:solidFill>
+              <a:latin typeface="UbuntuMono Nerd Font" panose="020B0509030602030204" pitchFamily="49" charset="0"/>
+            </a:endParaRPr>
+          </a:p>
+        </p:txBody>
+      </p:sp>
+      <p:sp>
+        <p:nvSpPr>
+          <p:cNvPr id="34" name="矩形 33">
+            <a:extLst>
+              <a:ext uri="{FF2B5EF4-FFF2-40B4-BE49-F238E27FC236}">
+                <a16:creationId xmlns:a16="http://schemas.microsoft.com/office/drawing/2014/main" id="{0067B3EF-A7B0-6995-EBD0-F785BD525C1C}"/>
+              </a:ext>
+            </a:extLst>
+          </p:cNvPr>
+          <p:cNvSpPr/>
+          <p:nvPr/>
+        </p:nvSpPr>
+        <p:spPr>
+          <a:xfrm>
+            <a:off x="3935999" y="4149260"/>
+            <a:ext cx="3600004" cy="354950"/>
+          </a:xfrm>
+          <a:prstGeom prst="rect">
+            <a:avLst/>
+          </a:prstGeom>
+          <a:solidFill>
+            <a:schemeClr val="accent5">
+              <a:lumMod val="40000"/>
+              <a:lumOff val="60000"/>
+            </a:schemeClr>
+          </a:solidFill>
+          <a:ln>
+            <a:noFill/>
+          </a:ln>
+        </p:spPr>
+        <p:style>
+          <a:lnRef idx="2">
+            <a:schemeClr val="accent1">
+              <a:shade val="15000"/>
+            </a:schemeClr>
+          </a:lnRef>
+          <a:fillRef idx="1">
+            <a:schemeClr val="accent1"/>
+          </a:fillRef>
+          <a:effectRef idx="0">
+            <a:schemeClr val="accent1"/>
+          </a:effectRef>
+          <a:fontRef idx="minor">
+            <a:schemeClr val="lt1"/>
+          </a:fontRef>
+        </p:style>
+        <p:txBody>
+          <a:bodyPr rtlCol="0" anchor="ctr"/>
+          <a:lstStyle/>
+          <a:p>
+            <a:pPr algn="ctr"/>
+            <a:r>
+              <a:rPr lang="en-US" altLang="zh-CN" sz="1200" dirty="0">
+                <a:solidFill>
+                  <a:schemeClr val="tx1"/>
+                </a:solidFill>
+                <a:latin typeface="UbuntuMono Nerd Font" panose="020B0509030602030204" pitchFamily="49" charset="0"/>
+              </a:rPr>
+              <a:t>gadget 1 : movq %rsp,%rax </a:t>
+            </a:r>
+            <a:endParaRPr lang="zh-CN" altLang="en-US" sz="1200" dirty="0">
+              <a:solidFill>
+                <a:schemeClr val="tx1"/>
+              </a:solidFill>
+              <a:latin typeface="UbuntuMono Nerd Font" panose="020B0509030602030204" pitchFamily="49" charset="0"/>
+            </a:endParaRPr>
+          </a:p>
+        </p:txBody>
+      </p:sp>
+      <p:sp>
+        <p:nvSpPr>
+          <p:cNvPr id="35" name="矩形 34">
+            <a:extLst>
+              <a:ext uri="{FF2B5EF4-FFF2-40B4-BE49-F238E27FC236}">
+                <a16:creationId xmlns:a16="http://schemas.microsoft.com/office/drawing/2014/main" id="{445DFED4-D326-A27E-7843-FCB60F3FDD0A}"/>
+              </a:ext>
+            </a:extLst>
+          </p:cNvPr>
+          <p:cNvSpPr/>
+          <p:nvPr/>
+        </p:nvSpPr>
+        <p:spPr>
+          <a:xfrm>
+            <a:off x="3935998" y="4504210"/>
+            <a:ext cx="3600005" cy="1800000"/>
+          </a:xfrm>
+          <a:prstGeom prst="rect">
+            <a:avLst/>
+          </a:prstGeom>
+          <a:solidFill>
+            <a:schemeClr val="accent5">
+              <a:lumMod val="20000"/>
+              <a:lumOff val="80000"/>
+            </a:schemeClr>
+          </a:solidFill>
+          <a:ln>
+            <a:noFill/>
+          </a:ln>
+        </p:spPr>
+        <p:style>
+          <a:lnRef idx="2">
+            <a:schemeClr val="accent1">
+              <a:shade val="15000"/>
+            </a:schemeClr>
+          </a:lnRef>
+          <a:fillRef idx="1">
+            <a:schemeClr val="accent1"/>
+          </a:fillRef>
+          <a:effectRef idx="0">
+            <a:schemeClr val="accent1"/>
+          </a:effectRef>
+          <a:fontRef idx="minor">
+            <a:schemeClr val="lt1"/>
+          </a:fontRef>
+        </p:style>
+        <p:txBody>
+          <a:bodyPr rtlCol="0" anchor="ctr"/>
+          <a:lstStyle/>
+          <a:p>
+            <a:pPr algn="ctr"/>
+            <a:r>
+              <a:rPr lang="en-US" altLang="zh-CN" sz="1200" dirty="0">
+                <a:solidFill>
+                  <a:schemeClr val="tx1"/>
+                </a:solidFill>
+                <a:latin typeface="UbuntuMono Nerd Font" panose="020B0509030602030204" pitchFamily="49" charset="0"/>
+              </a:rPr>
+              <a:t>getbuf </a:t>
+            </a:r>
+            <a:r>
+              <a:rPr lang="zh-CN" altLang="en-US" sz="1200" dirty="0">
+                <a:solidFill>
+                  <a:schemeClr val="tx1"/>
+                </a:solidFill>
+                <a:latin typeface="UbuntuMono Nerd Font" panose="020B0509030602030204" pitchFamily="49" charset="0"/>
+              </a:rPr>
+              <a:t>本身使用的地址，这里会存放输入的串</a:t>
+            </a:r>
+          </a:p>
+        </p:txBody>
+      </p:sp>
+      <p:sp>
+        <p:nvSpPr>
+          <p:cNvPr id="38" name="文本框 37">
+            <a:extLst>
+              <a:ext uri="{FF2B5EF4-FFF2-40B4-BE49-F238E27FC236}">
+                <a16:creationId xmlns:a16="http://schemas.microsoft.com/office/drawing/2014/main" id="{66F1EE6C-1ACE-9648-5DB0-EBDE1E76C132}"/>
+              </a:ext>
+            </a:extLst>
+          </p:cNvPr>
+          <p:cNvSpPr txBox="1"/>
+          <p:nvPr/>
+        </p:nvSpPr>
+        <p:spPr>
+          <a:xfrm flipH="1">
+            <a:off x="3616323" y="6165710"/>
+            <a:ext cx="639346" cy="276999"/>
+          </a:xfrm>
+          <a:prstGeom prst="rect">
+            <a:avLst/>
+          </a:prstGeom>
+          <a:noFill/>
+        </p:spPr>
+        <p:txBody>
+          <a:bodyPr wrap="square" rtlCol="0">
+            <a:spAutoFit/>
+          </a:bodyPr>
+          <a:lstStyle/>
+          <a:p>
+            <a:r>
+              <a:rPr lang="en-US" altLang="zh-CN" sz="1200" dirty="0">
+                <a:latin typeface="UbuntuMono Nerd Font" panose="020B0509030602030204" pitchFamily="49" charset="0"/>
+              </a:rPr>
+              <a:t>0</a:t>
+            </a:r>
+            <a:endParaRPr lang="zh-CN" altLang="en-US" sz="1200" dirty="0">
+              <a:latin typeface="UbuntuMono Nerd Font" panose="020B0509030602030204" pitchFamily="49" charset="0"/>
+            </a:endParaRPr>
+          </a:p>
+        </p:txBody>
+      </p:sp>
+      <p:sp>
+        <p:nvSpPr>
+          <p:cNvPr id="41" name="文本框 40">
+            <a:extLst>
+              <a:ext uri="{FF2B5EF4-FFF2-40B4-BE49-F238E27FC236}">
+                <a16:creationId xmlns:a16="http://schemas.microsoft.com/office/drawing/2014/main" id="{38F1FAB0-144F-023D-696D-21BF5692CF8D}"/>
+              </a:ext>
+            </a:extLst>
+          </p:cNvPr>
+          <p:cNvSpPr txBox="1"/>
+          <p:nvPr/>
+        </p:nvSpPr>
+        <p:spPr>
+          <a:xfrm flipH="1">
+            <a:off x="3441000" y="4360943"/>
+            <a:ext cx="492076" cy="276999"/>
+          </a:xfrm>
+          <a:prstGeom prst="rect">
+            <a:avLst/>
+          </a:prstGeom>
+          <a:noFill/>
+        </p:spPr>
+        <p:txBody>
+          <a:bodyPr wrap="square" rtlCol="0">
+            <a:spAutoFit/>
+          </a:bodyPr>
+          <a:lstStyle/>
+          <a:p>
+            <a:r>
+              <a:rPr lang="en-US" altLang="zh-CN" sz="1200" dirty="0">
+                <a:latin typeface="UbuntuMono Nerd Font" panose="020B0509030602030204" pitchFamily="49" charset="0"/>
+              </a:rPr>
+              <a:t>0x28</a:t>
+            </a:r>
+            <a:endParaRPr lang="zh-CN" altLang="en-US" sz="1200" dirty="0">
+              <a:latin typeface="UbuntuMono Nerd Font" panose="020B0509030602030204" pitchFamily="49" charset="0"/>
+            </a:endParaRPr>
+          </a:p>
+        </p:txBody>
+      </p:sp>
+      <p:sp>
+        <p:nvSpPr>
+          <p:cNvPr id="42" name="右大括号 41">
+            <a:extLst>
+              <a:ext uri="{FF2B5EF4-FFF2-40B4-BE49-F238E27FC236}">
+                <a16:creationId xmlns:a16="http://schemas.microsoft.com/office/drawing/2014/main" id="{3BC8956C-E64B-B8A8-D0C1-CF41B40B75A7}"/>
+              </a:ext>
+            </a:extLst>
+          </p:cNvPr>
+          <p:cNvSpPr/>
+          <p:nvPr/>
+        </p:nvSpPr>
+        <p:spPr>
+          <a:xfrm flipH="1">
+            <a:off x="2766312" y="895680"/>
+            <a:ext cx="518368" cy="3251383"/>
+          </a:xfrm>
+          <a:prstGeom prst="rightBrace">
+            <a:avLst/>
+          </a:prstGeom>
+          <a:ln w="12700"/>
+        </p:spPr>
+        <p:style>
+          <a:lnRef idx="1">
+            <a:schemeClr val="dk1"/>
+          </a:lnRef>
+          <a:fillRef idx="0">
+            <a:schemeClr val="dk1"/>
+          </a:fillRef>
+          <a:effectRef idx="0">
+            <a:schemeClr val="dk1"/>
+          </a:effectRef>
+          <a:fontRef idx="minor">
+            <a:schemeClr val="tx1"/>
+          </a:fontRef>
+        </p:style>
+        <p:txBody>
+          <a:bodyPr rtlCol="0" anchor="ctr"/>
+          <a:lstStyle/>
+          <a:p>
+            <a:pPr algn="ctr"/>
+            <a:endParaRPr lang="zh-CN" altLang="en-US" sz="1200" dirty="0">
+              <a:latin typeface="UbuntuMono Nerd Font" panose="020B0509030602030204" pitchFamily="49" charset="0"/>
+            </a:endParaRPr>
+          </a:p>
+        </p:txBody>
+      </p:sp>
+      <p:sp>
+        <p:nvSpPr>
+          <p:cNvPr id="43" name="文本框 42">
+            <a:extLst>
+              <a:ext uri="{FF2B5EF4-FFF2-40B4-BE49-F238E27FC236}">
+                <a16:creationId xmlns:a16="http://schemas.microsoft.com/office/drawing/2014/main" id="{5D333022-D781-9A75-E342-B6E0DA86FD3B}"/>
+              </a:ext>
+            </a:extLst>
+          </p:cNvPr>
+          <p:cNvSpPr txBox="1"/>
+          <p:nvPr/>
+        </p:nvSpPr>
+        <p:spPr>
+          <a:xfrm flipH="1">
+            <a:off x="2032965" y="2399062"/>
+            <a:ext cx="723275" cy="276999"/>
+          </a:xfrm>
+          <a:prstGeom prst="rect">
+            <a:avLst/>
+          </a:prstGeom>
+          <a:noFill/>
+        </p:spPr>
+        <p:txBody>
+          <a:bodyPr wrap="none" rtlCol="0">
+            <a:spAutoFit/>
+          </a:bodyPr>
+          <a:lstStyle/>
+          <a:p>
+            <a:r>
+              <a:rPr lang="en-US" altLang="zh-CN" sz="1200" dirty="0">
+                <a:latin typeface="UbuntuMono Nerd Font" panose="020B0509030602030204" pitchFamily="49" charset="0"/>
+              </a:rPr>
+              <a:t>48 </a:t>
+            </a:r>
+            <a:r>
+              <a:rPr lang="zh-CN" altLang="en-US" sz="1200" dirty="0">
+                <a:latin typeface="UbuntuMono Nerd Font" panose="020B0509030602030204" pitchFamily="49" charset="0"/>
+              </a:rPr>
+              <a:t>字节</a:t>
+            </a:r>
+          </a:p>
+        </p:txBody>
+      </p:sp>
+      <p:sp>
+        <p:nvSpPr>
+          <p:cNvPr id="47" name="文本框 46">
+            <a:extLst>
+              <a:ext uri="{FF2B5EF4-FFF2-40B4-BE49-F238E27FC236}">
+                <a16:creationId xmlns:a16="http://schemas.microsoft.com/office/drawing/2014/main" id="{27535E6B-2D93-AA2C-389C-77C36114EC91}"/>
+              </a:ext>
+            </a:extLst>
+          </p:cNvPr>
+          <p:cNvSpPr txBox="1"/>
+          <p:nvPr/>
+        </p:nvSpPr>
+        <p:spPr>
+          <a:xfrm flipH="1">
+            <a:off x="7532105" y="4183372"/>
+            <a:ext cx="900001" cy="276998"/>
+          </a:xfrm>
+          <a:prstGeom prst="rect">
+            <a:avLst/>
+          </a:prstGeom>
+          <a:noFill/>
+        </p:spPr>
+        <p:txBody>
+          <a:bodyPr wrap="square" rtlCol="0">
+            <a:spAutoFit/>
+          </a:bodyPr>
+          <a:lstStyle/>
+          <a:p>
+            <a:r>
+              <a:rPr lang="en-US" altLang="zh-CN" sz="1200" dirty="0">
+                <a:latin typeface="UbuntuMono Nerd Font" panose="020B0509030602030204" pitchFamily="49" charset="0"/>
+              </a:rPr>
+              <a:t>0x401a06</a:t>
+            </a:r>
+            <a:endParaRPr lang="pl-PL" altLang="zh-CN" sz="1200" dirty="0">
+              <a:latin typeface="UbuntuMono Nerd Font" panose="020B0509030602030204" pitchFamily="49" charset="0"/>
+            </a:endParaRPr>
+          </a:p>
+        </p:txBody>
+      </p:sp>
+      <p:sp>
+        <p:nvSpPr>
+          <p:cNvPr id="48" name="文本框 47">
+            <a:extLst>
+              <a:ext uri="{FF2B5EF4-FFF2-40B4-BE49-F238E27FC236}">
+                <a16:creationId xmlns:a16="http://schemas.microsoft.com/office/drawing/2014/main" id="{DA677946-3A73-DADD-C832-230387C4FCC9}"/>
+              </a:ext>
+            </a:extLst>
+          </p:cNvPr>
+          <p:cNvSpPr txBox="1"/>
+          <p:nvPr/>
+        </p:nvSpPr>
+        <p:spPr>
+          <a:xfrm>
+            <a:off x="786000" y="165589"/>
+            <a:ext cx="4108817" cy="369332"/>
+          </a:xfrm>
+          <a:prstGeom prst="rect">
+            <a:avLst/>
+          </a:prstGeom>
+          <a:noFill/>
+        </p:spPr>
+        <p:txBody>
+          <a:bodyPr wrap="none" rtlCol="0">
+            <a:spAutoFit/>
+          </a:bodyPr>
+          <a:lstStyle/>
+          <a:p>
+            <a:r>
+              <a:rPr lang="zh-CN" altLang="en-US" dirty="0">
+                <a:latin typeface="UbuntuMono Nerd Font" panose="020B0509030602030204" pitchFamily="49" charset="0"/>
+              </a:rPr>
+              <a:t>地址（实际地址随机，这里表示相对值</a:t>
+            </a:r>
+          </a:p>
+        </p:txBody>
+      </p:sp>
+      <p:sp>
+        <p:nvSpPr>
+          <p:cNvPr id="49" name="文本框 48">
+            <a:extLst>
+              <a:ext uri="{FF2B5EF4-FFF2-40B4-BE49-F238E27FC236}">
+                <a16:creationId xmlns:a16="http://schemas.microsoft.com/office/drawing/2014/main" id="{E91F9911-8B47-CDBA-BEA1-CD0AA5CE00D8}"/>
+              </a:ext>
+            </a:extLst>
+          </p:cNvPr>
+          <p:cNvSpPr txBox="1"/>
+          <p:nvPr/>
+        </p:nvSpPr>
+        <p:spPr>
+          <a:xfrm>
+            <a:off x="8526000" y="234000"/>
+            <a:ext cx="646331" cy="369332"/>
+          </a:xfrm>
+          <a:prstGeom prst="rect">
+            <a:avLst/>
+          </a:prstGeom>
+          <a:noFill/>
+        </p:spPr>
+        <p:txBody>
+          <a:bodyPr wrap="none" rtlCol="0">
+            <a:spAutoFit/>
+          </a:bodyPr>
+          <a:lstStyle/>
+          <a:p>
+            <a:r>
+              <a:rPr lang="zh-CN" altLang="en-US" dirty="0">
+                <a:latin typeface="UbuntuMono Nerd Font" panose="020B0509030602030204" pitchFamily="49" charset="0"/>
+              </a:rPr>
+              <a:t>内容</a:t>
+            </a:r>
+          </a:p>
+        </p:txBody>
+      </p:sp>
+      <p:sp>
+        <p:nvSpPr>
+          <p:cNvPr id="50" name="文本框 49">
+            <a:extLst>
+              <a:ext uri="{FF2B5EF4-FFF2-40B4-BE49-F238E27FC236}">
+                <a16:creationId xmlns:a16="http://schemas.microsoft.com/office/drawing/2014/main" id="{7D25E797-9B1A-2549-62EC-E1F09E73FCB8}"/>
+              </a:ext>
+            </a:extLst>
+          </p:cNvPr>
+          <p:cNvSpPr txBox="1"/>
+          <p:nvPr/>
+        </p:nvSpPr>
+        <p:spPr>
+          <a:xfrm flipH="1">
+            <a:off x="7532105" y="3822830"/>
+            <a:ext cx="1125001" cy="287809"/>
+          </a:xfrm>
+          <a:prstGeom prst="rect">
+            <a:avLst/>
+          </a:prstGeom>
+          <a:noFill/>
+        </p:spPr>
+        <p:txBody>
+          <a:bodyPr wrap="square" rtlCol="0">
+            <a:spAutoFit/>
+          </a:bodyPr>
+          <a:lstStyle/>
+          <a:p>
+            <a:r>
+              <a:rPr lang="en-US" altLang="zh-CN" sz="1200" dirty="0">
+                <a:latin typeface="UbuntuMono Nerd Font" panose="020B0509030602030204" pitchFamily="49" charset="0"/>
+              </a:rPr>
+              <a:t>0x4019a2</a:t>
+            </a:r>
+            <a:endParaRPr lang="pl-PL" altLang="zh-CN" sz="1200" dirty="0">
+              <a:latin typeface="UbuntuMono Nerd Font" panose="020B0509030602030204" pitchFamily="49" charset="0"/>
+            </a:endParaRPr>
+          </a:p>
+        </p:txBody>
+      </p:sp>
+      <p:sp>
+        <p:nvSpPr>
+          <p:cNvPr id="8" name="矩形 7">
+            <a:extLst>
+              <a:ext uri="{FF2B5EF4-FFF2-40B4-BE49-F238E27FC236}">
+                <a16:creationId xmlns:a16="http://schemas.microsoft.com/office/drawing/2014/main" id="{841D628B-93D9-E650-6F9B-E712DA2AD50B}"/>
+              </a:ext>
+            </a:extLst>
+          </p:cNvPr>
+          <p:cNvSpPr/>
+          <p:nvPr/>
+        </p:nvSpPr>
+        <p:spPr>
+          <a:xfrm>
+            <a:off x="3935998" y="2698769"/>
+            <a:ext cx="3600003" cy="365050"/>
+          </a:xfrm>
+          <a:prstGeom prst="rect">
+            <a:avLst/>
+          </a:prstGeom>
+          <a:solidFill>
+            <a:schemeClr val="accent5">
+              <a:lumMod val="40000"/>
+              <a:lumOff val="60000"/>
+            </a:schemeClr>
+          </a:solidFill>
+          <a:ln>
+            <a:noFill/>
+          </a:ln>
+        </p:spPr>
+        <p:style>
+          <a:lnRef idx="2">
+            <a:schemeClr val="accent1">
+              <a:shade val="15000"/>
+            </a:schemeClr>
+          </a:lnRef>
+          <a:fillRef idx="1">
+            <a:schemeClr val="accent1"/>
+          </a:fillRef>
+          <a:effectRef idx="0">
+            <a:schemeClr val="accent1"/>
+          </a:effectRef>
+          <a:fontRef idx="minor">
+            <a:schemeClr val="lt1"/>
+          </a:fontRef>
+        </p:style>
+        <p:txBody>
+          <a:bodyPr rtlCol="0" anchor="ctr"/>
+          <a:lstStyle/>
+          <a:p>
+            <a:pPr algn="ctr"/>
+            <a:r>
+              <a:rPr lang="en-US" altLang="zh-CN" sz="1200" dirty="0">
+                <a:solidFill>
+                  <a:schemeClr val="tx1"/>
+                </a:solidFill>
+                <a:latin typeface="UbuntuMono Nerd Font" panose="020B0509030602030204" pitchFamily="49" charset="0"/>
+              </a:rPr>
+              <a:t>gadget 4 : movl %eax,%edx</a:t>
+            </a:r>
+            <a:endParaRPr lang="zh-CN" altLang="en-US" sz="1200" dirty="0">
+              <a:solidFill>
+                <a:schemeClr val="tx1"/>
+              </a:solidFill>
+              <a:latin typeface="UbuntuMono Nerd Font" panose="020B0509030602030204" pitchFamily="49" charset="0"/>
+            </a:endParaRPr>
+          </a:p>
+        </p:txBody>
+      </p:sp>
+      <p:sp>
+        <p:nvSpPr>
+          <p:cNvPr id="9" name="矩形 8">
+            <a:extLst>
+              <a:ext uri="{FF2B5EF4-FFF2-40B4-BE49-F238E27FC236}">
+                <a16:creationId xmlns:a16="http://schemas.microsoft.com/office/drawing/2014/main" id="{D89520BC-BFB9-06FE-543C-F12AF0DDC3DC}"/>
+              </a:ext>
+            </a:extLst>
+          </p:cNvPr>
+          <p:cNvSpPr/>
+          <p:nvPr/>
+        </p:nvSpPr>
+        <p:spPr>
+          <a:xfrm>
+            <a:off x="3935997" y="3063819"/>
+            <a:ext cx="3600003" cy="365050"/>
+          </a:xfrm>
+          <a:prstGeom prst="rect">
+            <a:avLst/>
+          </a:prstGeom>
+          <a:solidFill>
+            <a:schemeClr val="accent5">
+              <a:lumMod val="20000"/>
+              <a:lumOff val="80000"/>
+            </a:schemeClr>
+          </a:solidFill>
+          <a:ln>
+            <a:noFill/>
+          </a:ln>
+        </p:spPr>
+        <p:style>
+          <a:lnRef idx="2">
+            <a:schemeClr val="accent1">
+              <a:shade val="15000"/>
+            </a:schemeClr>
+          </a:lnRef>
+          <a:fillRef idx="1">
+            <a:schemeClr val="accent1"/>
+          </a:fillRef>
+          <a:effectRef idx="0">
+            <a:schemeClr val="accent1"/>
+          </a:effectRef>
+          <a:fontRef idx="minor">
+            <a:schemeClr val="lt1"/>
+          </a:fontRef>
+        </p:style>
+        <p:txBody>
+          <a:bodyPr rtlCol="0" anchor="ctr"/>
+          <a:lstStyle/>
+          <a:p>
+            <a:pPr algn="ctr"/>
+            <a:r>
+              <a:rPr lang="zh-CN" altLang="en-US" sz="1200" dirty="0">
+                <a:solidFill>
+                  <a:schemeClr val="tx1"/>
+                </a:solidFill>
+                <a:latin typeface="UbuntuMono Nerd Font" panose="020B0509030602030204" pitchFamily="49" charset="0"/>
+              </a:rPr>
+              <a:t>偏移量</a:t>
+            </a:r>
+          </a:p>
+        </p:txBody>
+      </p:sp>
+      <p:sp>
+        <p:nvSpPr>
+          <p:cNvPr id="10" name="矩形 9">
+            <a:extLst>
+              <a:ext uri="{FF2B5EF4-FFF2-40B4-BE49-F238E27FC236}">
+                <a16:creationId xmlns:a16="http://schemas.microsoft.com/office/drawing/2014/main" id="{E5F53648-43F0-91AB-B4C8-1B16859D43E8}"/>
+              </a:ext>
+            </a:extLst>
+          </p:cNvPr>
+          <p:cNvSpPr/>
+          <p:nvPr/>
+        </p:nvSpPr>
+        <p:spPr>
+          <a:xfrm>
+            <a:off x="3935998" y="1989987"/>
+            <a:ext cx="3600003" cy="365050"/>
+          </a:xfrm>
+          <a:prstGeom prst="rect">
+            <a:avLst/>
+          </a:prstGeom>
+          <a:solidFill>
+            <a:schemeClr val="accent5">
+              <a:lumMod val="40000"/>
+              <a:lumOff val="60000"/>
+            </a:schemeClr>
+          </a:solidFill>
+          <a:ln>
+            <a:noFill/>
+          </a:ln>
+        </p:spPr>
+        <p:style>
+          <a:lnRef idx="2">
+            <a:schemeClr val="accent1">
+              <a:shade val="15000"/>
+            </a:schemeClr>
+          </a:lnRef>
+          <a:fillRef idx="1">
+            <a:schemeClr val="accent1"/>
+          </a:fillRef>
+          <a:effectRef idx="0">
+            <a:schemeClr val="accent1"/>
+          </a:effectRef>
+          <a:fontRef idx="minor">
+            <a:schemeClr val="lt1"/>
+          </a:fontRef>
+        </p:style>
+        <p:txBody>
+          <a:bodyPr rtlCol="0" anchor="ctr"/>
+          <a:lstStyle/>
+          <a:p>
+            <a:pPr algn="ctr"/>
+            <a:r>
+              <a:rPr lang="en-US" altLang="zh-CN" sz="1200" dirty="0">
+                <a:solidFill>
+                  <a:schemeClr val="tx1"/>
+                </a:solidFill>
+                <a:latin typeface="UbuntuMono Nerd Font" panose="020B0509030602030204" pitchFamily="49" charset="0"/>
+              </a:rPr>
+              <a:t>gadget 6 : movl %ecx,%esi</a:t>
+            </a:r>
+            <a:endParaRPr lang="zh-CN" altLang="en-US" sz="1200" dirty="0">
+              <a:solidFill>
+                <a:schemeClr val="tx1"/>
+              </a:solidFill>
+              <a:latin typeface="UbuntuMono Nerd Font" panose="020B0509030602030204" pitchFamily="49" charset="0"/>
+            </a:endParaRPr>
+          </a:p>
+        </p:txBody>
+      </p:sp>
+      <p:sp>
+        <p:nvSpPr>
+          <p:cNvPr id="11" name="矩形 10">
+            <a:extLst>
+              <a:ext uri="{FF2B5EF4-FFF2-40B4-BE49-F238E27FC236}">
+                <a16:creationId xmlns:a16="http://schemas.microsoft.com/office/drawing/2014/main" id="{A0DFA712-018F-38BF-5AA4-446B68A8D5D9}"/>
+              </a:ext>
+            </a:extLst>
+          </p:cNvPr>
+          <p:cNvSpPr/>
+          <p:nvPr/>
+        </p:nvSpPr>
+        <p:spPr>
+          <a:xfrm>
+            <a:off x="3935997" y="2355037"/>
+            <a:ext cx="3600003" cy="365050"/>
+          </a:xfrm>
+          <a:prstGeom prst="rect">
+            <a:avLst/>
+          </a:prstGeom>
+          <a:solidFill>
+            <a:schemeClr val="accent5">
+              <a:lumMod val="20000"/>
+              <a:lumOff val="80000"/>
+            </a:schemeClr>
+          </a:solidFill>
+          <a:ln>
+            <a:noFill/>
+          </a:ln>
+        </p:spPr>
+        <p:style>
+          <a:lnRef idx="2">
+            <a:schemeClr val="accent1">
+              <a:shade val="15000"/>
+            </a:schemeClr>
+          </a:lnRef>
+          <a:fillRef idx="1">
+            <a:schemeClr val="accent1"/>
+          </a:fillRef>
+          <a:effectRef idx="0">
+            <a:schemeClr val="accent1"/>
+          </a:effectRef>
+          <a:fontRef idx="minor">
+            <a:schemeClr val="lt1"/>
+          </a:fontRef>
+        </p:style>
+        <p:txBody>
+          <a:bodyPr rtlCol="0" anchor="ctr"/>
+          <a:lstStyle/>
+          <a:p>
+            <a:pPr algn="ctr"/>
+            <a:r>
+              <a:rPr lang="en-US" altLang="zh-CN" sz="1200" dirty="0">
+                <a:solidFill>
+                  <a:schemeClr val="tx1"/>
+                </a:solidFill>
+                <a:latin typeface="UbuntuMono Nerd Font" panose="020B0509030602030204" pitchFamily="49" charset="0"/>
+              </a:rPr>
+              <a:t>gadget 5 : movl %edx,%ecx</a:t>
+            </a:r>
+            <a:endParaRPr lang="zh-CN" altLang="en-US" sz="1200" dirty="0">
+              <a:solidFill>
+                <a:schemeClr val="tx1"/>
+              </a:solidFill>
+              <a:latin typeface="UbuntuMono Nerd Font" panose="020B0509030602030204" pitchFamily="49" charset="0"/>
+            </a:endParaRPr>
+          </a:p>
+        </p:txBody>
+      </p:sp>
+      <p:sp>
+        <p:nvSpPr>
+          <p:cNvPr id="12" name="矩形 11">
+            <a:extLst>
+              <a:ext uri="{FF2B5EF4-FFF2-40B4-BE49-F238E27FC236}">
+                <a16:creationId xmlns:a16="http://schemas.microsoft.com/office/drawing/2014/main" id="{620E7E04-3593-4A57-7DBE-1DD28D14D0A2}"/>
+              </a:ext>
+            </a:extLst>
+          </p:cNvPr>
+          <p:cNvSpPr/>
+          <p:nvPr/>
+        </p:nvSpPr>
+        <p:spPr>
+          <a:xfrm>
+            <a:off x="3935998" y="1260733"/>
+            <a:ext cx="3600003" cy="365050"/>
+          </a:xfrm>
+          <a:prstGeom prst="rect">
+            <a:avLst/>
+          </a:prstGeom>
+          <a:solidFill>
+            <a:schemeClr val="accent5">
+              <a:lumMod val="40000"/>
+              <a:lumOff val="60000"/>
+            </a:schemeClr>
+          </a:solidFill>
+          <a:ln>
+            <a:noFill/>
+          </a:ln>
+        </p:spPr>
+        <p:style>
+          <a:lnRef idx="2">
+            <a:schemeClr val="accent1">
+              <a:shade val="15000"/>
+            </a:schemeClr>
+          </a:lnRef>
+          <a:fillRef idx="1">
+            <a:schemeClr val="accent1"/>
+          </a:fillRef>
+          <a:effectRef idx="0">
+            <a:schemeClr val="accent1"/>
+          </a:effectRef>
+          <a:fontRef idx="minor">
+            <a:schemeClr val="lt1"/>
+          </a:fontRef>
+        </p:style>
+        <p:txBody>
+          <a:bodyPr rtlCol="0" anchor="ctr"/>
+          <a:lstStyle/>
+          <a:p>
+            <a:pPr algn="ctr"/>
+            <a:r>
+              <a:rPr lang="en-US" altLang="zh-CN" sz="1200" dirty="0">
+                <a:solidFill>
+                  <a:schemeClr val="tx1"/>
+                </a:solidFill>
+                <a:latin typeface="UbuntuMono Nerd Font" panose="020B0509030602030204" pitchFamily="49" charset="0"/>
+              </a:rPr>
+              <a:t>gadget 8 : movq %rax,%rdi</a:t>
+            </a:r>
+            <a:endParaRPr lang="zh-CN" altLang="en-US" sz="1200" dirty="0">
+              <a:solidFill>
+                <a:schemeClr val="tx1"/>
+              </a:solidFill>
+              <a:latin typeface="UbuntuMono Nerd Font" panose="020B0509030602030204" pitchFamily="49" charset="0"/>
+            </a:endParaRPr>
+          </a:p>
+        </p:txBody>
+      </p:sp>
+      <p:sp>
+        <p:nvSpPr>
+          <p:cNvPr id="13" name="矩形 12">
+            <a:extLst>
+              <a:ext uri="{FF2B5EF4-FFF2-40B4-BE49-F238E27FC236}">
+                <a16:creationId xmlns:a16="http://schemas.microsoft.com/office/drawing/2014/main" id="{E6A410AC-F339-2026-EED3-F2E7116FDF6B}"/>
+              </a:ext>
+            </a:extLst>
+          </p:cNvPr>
+          <p:cNvSpPr/>
+          <p:nvPr/>
+        </p:nvSpPr>
+        <p:spPr>
+          <a:xfrm>
+            <a:off x="3935997" y="1625783"/>
+            <a:ext cx="3600003" cy="365050"/>
+          </a:xfrm>
+          <a:prstGeom prst="rect">
+            <a:avLst/>
+          </a:prstGeom>
+          <a:solidFill>
+            <a:schemeClr val="accent5">
+              <a:lumMod val="20000"/>
+              <a:lumOff val="80000"/>
+            </a:schemeClr>
+          </a:solidFill>
+          <a:ln>
+            <a:noFill/>
+          </a:ln>
+        </p:spPr>
+        <p:style>
+          <a:lnRef idx="2">
+            <a:schemeClr val="accent1">
+              <a:shade val="15000"/>
+            </a:schemeClr>
+          </a:lnRef>
+          <a:fillRef idx="1">
+            <a:schemeClr val="accent1"/>
+          </a:fillRef>
+          <a:effectRef idx="0">
+            <a:schemeClr val="accent1"/>
+          </a:effectRef>
+          <a:fontRef idx="minor">
+            <a:schemeClr val="lt1"/>
+          </a:fontRef>
+        </p:style>
+        <p:txBody>
+          <a:bodyPr rtlCol="0" anchor="ctr"/>
+          <a:lstStyle/>
+          <a:p>
+            <a:pPr algn="ctr"/>
+            <a:r>
+              <a:rPr lang="en-US" altLang="zh-CN" sz="1200" dirty="0">
+                <a:solidFill>
+                  <a:schemeClr val="tx1"/>
+                </a:solidFill>
+                <a:latin typeface="UbuntuMono Nerd Font" panose="020B0509030602030204" pitchFamily="49" charset="0"/>
+              </a:rPr>
+              <a:t>gadget 7 : 	      add_xy</a:t>
+            </a:r>
+            <a:endParaRPr lang="zh-CN" altLang="en-US" sz="1200" dirty="0">
+              <a:solidFill>
+                <a:schemeClr val="tx1"/>
+              </a:solidFill>
+              <a:latin typeface="UbuntuMono Nerd Font" panose="020B0509030602030204" pitchFamily="49" charset="0"/>
+            </a:endParaRPr>
+          </a:p>
+        </p:txBody>
+      </p:sp>
+      <p:sp>
+        <p:nvSpPr>
+          <p:cNvPr id="16" name="矩形 15">
+            <a:extLst>
+              <a:ext uri="{FF2B5EF4-FFF2-40B4-BE49-F238E27FC236}">
+                <a16:creationId xmlns:a16="http://schemas.microsoft.com/office/drawing/2014/main" id="{4670109D-0F9A-4748-5D1D-934C015FC633}"/>
+              </a:ext>
+            </a:extLst>
+          </p:cNvPr>
+          <p:cNvSpPr/>
+          <p:nvPr/>
+        </p:nvSpPr>
+        <p:spPr>
+          <a:xfrm>
+            <a:off x="3935996" y="895680"/>
+            <a:ext cx="3600003" cy="365050"/>
+          </a:xfrm>
+          <a:prstGeom prst="rect">
+            <a:avLst/>
+          </a:prstGeom>
+          <a:solidFill>
+            <a:schemeClr val="accent5">
+              <a:lumMod val="20000"/>
+              <a:lumOff val="80000"/>
+            </a:schemeClr>
+          </a:solidFill>
+          <a:ln>
+            <a:noFill/>
+          </a:ln>
+        </p:spPr>
+        <p:style>
+          <a:lnRef idx="2">
+            <a:schemeClr val="accent1">
+              <a:shade val="15000"/>
+            </a:schemeClr>
+          </a:lnRef>
+          <a:fillRef idx="1">
+            <a:schemeClr val="accent1"/>
+          </a:fillRef>
+          <a:effectRef idx="0">
+            <a:schemeClr val="accent1"/>
+          </a:effectRef>
+          <a:fontRef idx="minor">
+            <a:schemeClr val="lt1"/>
+          </a:fontRef>
+        </p:style>
+        <p:txBody>
+          <a:bodyPr rtlCol="0" anchor="ctr"/>
+          <a:lstStyle/>
+          <a:p>
+            <a:pPr algn="ctr"/>
+            <a:r>
+              <a:rPr lang="en-US" altLang="zh-CN" sz="1200" dirty="0">
+                <a:solidFill>
+                  <a:schemeClr val="tx1"/>
+                </a:solidFill>
+                <a:latin typeface="UbuntuMono Nerd Font" panose="020B0509030602030204" pitchFamily="49" charset="0"/>
+              </a:rPr>
+              <a:t>touch3</a:t>
+            </a:r>
+            <a:endParaRPr lang="zh-CN" altLang="en-US" sz="1200" dirty="0">
+              <a:solidFill>
+                <a:schemeClr val="tx1"/>
+              </a:solidFill>
+              <a:latin typeface="UbuntuMono Nerd Font" panose="020B0509030602030204" pitchFamily="49" charset="0"/>
+            </a:endParaRPr>
+          </a:p>
+        </p:txBody>
+      </p:sp>
+      <p:sp>
+        <p:nvSpPr>
+          <p:cNvPr id="20" name="文本框 19">
+            <a:extLst>
+              <a:ext uri="{FF2B5EF4-FFF2-40B4-BE49-F238E27FC236}">
+                <a16:creationId xmlns:a16="http://schemas.microsoft.com/office/drawing/2014/main" id="{D32068CD-3994-15BB-C63C-822913117ED4}"/>
+              </a:ext>
+            </a:extLst>
+          </p:cNvPr>
+          <p:cNvSpPr txBox="1"/>
+          <p:nvPr/>
+        </p:nvSpPr>
+        <p:spPr>
+          <a:xfrm flipH="1">
+            <a:off x="3440999" y="4002177"/>
+            <a:ext cx="492077" cy="281255"/>
+          </a:xfrm>
+          <a:prstGeom prst="rect">
+            <a:avLst/>
+          </a:prstGeom>
+          <a:noFill/>
+        </p:spPr>
+        <p:txBody>
+          <a:bodyPr wrap="square" rtlCol="0">
+            <a:spAutoFit/>
+          </a:bodyPr>
+          <a:lstStyle/>
+          <a:p>
+            <a:r>
+              <a:rPr lang="en-US" altLang="zh-CN" sz="1200" dirty="0">
+                <a:latin typeface="UbuntuMono Nerd Font" panose="020B0509030602030204" pitchFamily="49" charset="0"/>
+              </a:rPr>
+              <a:t>0x30</a:t>
+            </a:r>
+            <a:endParaRPr lang="zh-CN" altLang="en-US" sz="1200" dirty="0">
+              <a:latin typeface="UbuntuMono Nerd Font" panose="020B0509030602030204" pitchFamily="49" charset="0"/>
+            </a:endParaRPr>
+          </a:p>
+        </p:txBody>
+      </p:sp>
+      <p:sp>
+        <p:nvSpPr>
+          <p:cNvPr id="21" name="文本框 20">
+            <a:extLst>
+              <a:ext uri="{FF2B5EF4-FFF2-40B4-BE49-F238E27FC236}">
+                <a16:creationId xmlns:a16="http://schemas.microsoft.com/office/drawing/2014/main" id="{4D372661-BCCA-EFDE-8DBE-F8E67642A073}"/>
+              </a:ext>
+            </a:extLst>
+          </p:cNvPr>
+          <p:cNvSpPr txBox="1"/>
+          <p:nvPr/>
+        </p:nvSpPr>
+        <p:spPr>
+          <a:xfrm flipH="1">
+            <a:off x="3443665" y="3644282"/>
+            <a:ext cx="497343" cy="276999"/>
+          </a:xfrm>
+          <a:prstGeom prst="rect">
+            <a:avLst/>
+          </a:prstGeom>
+          <a:noFill/>
+        </p:spPr>
+        <p:txBody>
+          <a:bodyPr wrap="square" rtlCol="0">
+            <a:spAutoFit/>
+          </a:bodyPr>
+          <a:lstStyle/>
+          <a:p>
+            <a:r>
+              <a:rPr lang="en-US" altLang="zh-CN" sz="1200" dirty="0">
+                <a:latin typeface="UbuntuMono Nerd Font" panose="020B0509030602030204" pitchFamily="49" charset="0"/>
+              </a:rPr>
+              <a:t>0x38</a:t>
+            </a:r>
+            <a:endParaRPr lang="zh-CN" altLang="en-US" sz="1200" dirty="0">
+              <a:latin typeface="UbuntuMono Nerd Font" panose="020B0509030602030204" pitchFamily="49" charset="0"/>
+            </a:endParaRPr>
+          </a:p>
+        </p:txBody>
+      </p:sp>
+      <p:sp>
+        <p:nvSpPr>
+          <p:cNvPr id="22" name="文本框 21">
+            <a:extLst>
+              <a:ext uri="{FF2B5EF4-FFF2-40B4-BE49-F238E27FC236}">
+                <a16:creationId xmlns:a16="http://schemas.microsoft.com/office/drawing/2014/main" id="{AF9D89CC-FC4A-F2E7-E56A-C21F62BC0C86}"/>
+              </a:ext>
+            </a:extLst>
+          </p:cNvPr>
+          <p:cNvSpPr txBox="1"/>
+          <p:nvPr/>
+        </p:nvSpPr>
+        <p:spPr>
+          <a:xfrm flipH="1">
+            <a:off x="3435731" y="3287435"/>
+            <a:ext cx="497344" cy="276999"/>
+          </a:xfrm>
+          <a:prstGeom prst="rect">
+            <a:avLst/>
+          </a:prstGeom>
+          <a:noFill/>
+        </p:spPr>
+        <p:txBody>
+          <a:bodyPr wrap="square" rtlCol="0">
+            <a:spAutoFit/>
+          </a:bodyPr>
+          <a:lstStyle/>
+          <a:p>
+            <a:r>
+              <a:rPr lang="en-US" altLang="zh-CN" sz="1200" dirty="0">
+                <a:latin typeface="UbuntuMono Nerd Font" panose="020B0509030602030204" pitchFamily="49" charset="0"/>
+              </a:rPr>
+              <a:t>0x40</a:t>
+            </a:r>
+          </a:p>
+        </p:txBody>
+      </p:sp>
+      <p:sp>
+        <p:nvSpPr>
+          <p:cNvPr id="23" name="文本框 22">
+            <a:extLst>
+              <a:ext uri="{FF2B5EF4-FFF2-40B4-BE49-F238E27FC236}">
+                <a16:creationId xmlns:a16="http://schemas.microsoft.com/office/drawing/2014/main" id="{3F0821A6-4AA1-1428-337B-51B20B9BE2B3}"/>
+              </a:ext>
+            </a:extLst>
+          </p:cNvPr>
+          <p:cNvSpPr txBox="1"/>
+          <p:nvPr/>
+        </p:nvSpPr>
+        <p:spPr>
+          <a:xfrm flipH="1">
+            <a:off x="3443665" y="2925813"/>
+            <a:ext cx="493536" cy="276998"/>
+          </a:xfrm>
+          <a:prstGeom prst="rect">
+            <a:avLst/>
+          </a:prstGeom>
+          <a:noFill/>
+        </p:spPr>
+        <p:txBody>
+          <a:bodyPr wrap="square" rtlCol="0">
+            <a:spAutoFit/>
+          </a:bodyPr>
+          <a:lstStyle/>
+          <a:p>
+            <a:r>
+              <a:rPr lang="en-US" altLang="zh-CN" sz="1200" dirty="0">
+                <a:latin typeface="UbuntuMono Nerd Font" panose="020B0509030602030204" pitchFamily="49" charset="0"/>
+              </a:rPr>
+              <a:t>0x48</a:t>
+            </a:r>
+            <a:endParaRPr lang="zh-CN" altLang="en-US" sz="1200" dirty="0">
+              <a:latin typeface="UbuntuMono Nerd Font" panose="020B0509030602030204" pitchFamily="49" charset="0"/>
+            </a:endParaRPr>
+          </a:p>
+        </p:txBody>
+      </p:sp>
+      <p:sp>
+        <p:nvSpPr>
+          <p:cNvPr id="24" name="文本框 23">
+            <a:extLst>
+              <a:ext uri="{FF2B5EF4-FFF2-40B4-BE49-F238E27FC236}">
+                <a16:creationId xmlns:a16="http://schemas.microsoft.com/office/drawing/2014/main" id="{A3F33304-1880-E1F6-5370-D8E9BBFE6C43}"/>
+              </a:ext>
+            </a:extLst>
+          </p:cNvPr>
+          <p:cNvSpPr txBox="1"/>
+          <p:nvPr/>
+        </p:nvSpPr>
+        <p:spPr>
+          <a:xfrm flipH="1">
+            <a:off x="3443063" y="2566007"/>
+            <a:ext cx="493536" cy="276998"/>
+          </a:xfrm>
+          <a:prstGeom prst="rect">
+            <a:avLst/>
+          </a:prstGeom>
+          <a:noFill/>
+        </p:spPr>
+        <p:txBody>
+          <a:bodyPr wrap="square" rtlCol="0">
+            <a:spAutoFit/>
+          </a:bodyPr>
+          <a:lstStyle/>
+          <a:p>
+            <a:r>
+              <a:rPr lang="en-US" altLang="zh-CN" sz="1200" dirty="0">
+                <a:latin typeface="UbuntuMono Nerd Font" panose="020B0509030602030204" pitchFamily="49" charset="0"/>
+              </a:rPr>
+              <a:t>0x50</a:t>
+            </a:r>
+            <a:endParaRPr lang="zh-CN" altLang="en-US" sz="1200" dirty="0">
+              <a:latin typeface="UbuntuMono Nerd Font" panose="020B0509030602030204" pitchFamily="49" charset="0"/>
+            </a:endParaRPr>
+          </a:p>
+        </p:txBody>
+      </p:sp>
+      <p:sp>
+        <p:nvSpPr>
+          <p:cNvPr id="25" name="文本框 24">
+            <a:extLst>
+              <a:ext uri="{FF2B5EF4-FFF2-40B4-BE49-F238E27FC236}">
+                <a16:creationId xmlns:a16="http://schemas.microsoft.com/office/drawing/2014/main" id="{51FD19CD-4648-0A0B-5986-80006E7F6D73}"/>
+              </a:ext>
+            </a:extLst>
+          </p:cNvPr>
+          <p:cNvSpPr txBox="1"/>
+          <p:nvPr/>
+        </p:nvSpPr>
+        <p:spPr>
+          <a:xfrm flipH="1">
+            <a:off x="3442460" y="2210412"/>
+            <a:ext cx="493536" cy="276998"/>
+          </a:xfrm>
+          <a:prstGeom prst="rect">
+            <a:avLst/>
+          </a:prstGeom>
+          <a:noFill/>
+        </p:spPr>
+        <p:txBody>
+          <a:bodyPr wrap="square" rtlCol="0">
+            <a:spAutoFit/>
+          </a:bodyPr>
+          <a:lstStyle/>
+          <a:p>
+            <a:r>
+              <a:rPr lang="en-US" altLang="zh-CN" sz="1200" dirty="0">
+                <a:latin typeface="UbuntuMono Nerd Font" panose="020B0509030602030204" pitchFamily="49" charset="0"/>
+              </a:rPr>
+              <a:t>0x58</a:t>
+            </a:r>
+            <a:endParaRPr lang="zh-CN" altLang="en-US" sz="1200" dirty="0">
+              <a:latin typeface="UbuntuMono Nerd Font" panose="020B0509030602030204" pitchFamily="49" charset="0"/>
+            </a:endParaRPr>
+          </a:p>
+        </p:txBody>
+      </p:sp>
+      <p:sp>
+        <p:nvSpPr>
+          <p:cNvPr id="26" name="文本框 25">
+            <a:extLst>
+              <a:ext uri="{FF2B5EF4-FFF2-40B4-BE49-F238E27FC236}">
+                <a16:creationId xmlns:a16="http://schemas.microsoft.com/office/drawing/2014/main" id="{98CED12E-181B-D87C-7974-772A59B16518}"/>
+              </a:ext>
+            </a:extLst>
+          </p:cNvPr>
+          <p:cNvSpPr txBox="1"/>
+          <p:nvPr/>
+        </p:nvSpPr>
+        <p:spPr>
+          <a:xfrm flipH="1">
+            <a:off x="3436024" y="1851205"/>
+            <a:ext cx="500265" cy="276998"/>
+          </a:xfrm>
+          <a:prstGeom prst="rect">
+            <a:avLst/>
+          </a:prstGeom>
+          <a:noFill/>
+        </p:spPr>
+        <p:txBody>
+          <a:bodyPr wrap="square" rtlCol="0">
+            <a:spAutoFit/>
+          </a:bodyPr>
+          <a:lstStyle/>
+          <a:p>
+            <a:r>
+              <a:rPr lang="en-US" altLang="zh-CN" sz="1200" dirty="0">
+                <a:latin typeface="UbuntuMono Nerd Font" panose="020B0509030602030204" pitchFamily="49" charset="0"/>
+              </a:rPr>
+              <a:t>0x60</a:t>
+            </a:r>
+            <a:endParaRPr lang="zh-CN" altLang="en-US" sz="1200" dirty="0">
+              <a:latin typeface="UbuntuMono Nerd Font" panose="020B0509030602030204" pitchFamily="49" charset="0"/>
+            </a:endParaRPr>
+          </a:p>
+        </p:txBody>
+      </p:sp>
+      <p:sp>
+        <p:nvSpPr>
+          <p:cNvPr id="27" name="文本框 26">
+            <a:extLst>
+              <a:ext uri="{FF2B5EF4-FFF2-40B4-BE49-F238E27FC236}">
+                <a16:creationId xmlns:a16="http://schemas.microsoft.com/office/drawing/2014/main" id="{2BD7D3D1-FBCD-D087-6304-904473384B75}"/>
+              </a:ext>
+            </a:extLst>
+          </p:cNvPr>
+          <p:cNvSpPr txBox="1"/>
+          <p:nvPr/>
+        </p:nvSpPr>
+        <p:spPr>
+          <a:xfrm flipH="1">
+            <a:off x="3442460" y="1487952"/>
+            <a:ext cx="493536" cy="276998"/>
+          </a:xfrm>
+          <a:prstGeom prst="rect">
+            <a:avLst/>
+          </a:prstGeom>
+          <a:noFill/>
+        </p:spPr>
+        <p:txBody>
+          <a:bodyPr wrap="square" rtlCol="0">
+            <a:spAutoFit/>
+          </a:bodyPr>
+          <a:lstStyle/>
+          <a:p>
+            <a:r>
+              <a:rPr lang="en-US" altLang="zh-CN" sz="1200" dirty="0">
+                <a:latin typeface="UbuntuMono Nerd Font" panose="020B0509030602030204" pitchFamily="49" charset="0"/>
+              </a:rPr>
+              <a:t>0x68</a:t>
+            </a:r>
+            <a:endParaRPr lang="zh-CN" altLang="en-US" sz="1200" dirty="0">
+              <a:latin typeface="UbuntuMono Nerd Font" panose="020B0509030602030204" pitchFamily="49" charset="0"/>
+            </a:endParaRPr>
+          </a:p>
+        </p:txBody>
+      </p:sp>
+      <p:sp>
+        <p:nvSpPr>
+          <p:cNvPr id="28" name="文本框 27">
+            <a:extLst>
+              <a:ext uri="{FF2B5EF4-FFF2-40B4-BE49-F238E27FC236}">
+                <a16:creationId xmlns:a16="http://schemas.microsoft.com/office/drawing/2014/main" id="{C9B32C59-5ECE-9B15-5BEB-2A45D51A7E78}"/>
+              </a:ext>
+            </a:extLst>
+          </p:cNvPr>
+          <p:cNvSpPr txBox="1"/>
+          <p:nvPr/>
+        </p:nvSpPr>
+        <p:spPr>
+          <a:xfrm flipH="1">
+            <a:off x="3442459" y="1123374"/>
+            <a:ext cx="493537" cy="276998"/>
+          </a:xfrm>
+          <a:prstGeom prst="rect">
+            <a:avLst/>
+          </a:prstGeom>
+          <a:noFill/>
+        </p:spPr>
+        <p:txBody>
+          <a:bodyPr wrap="square" rtlCol="0">
+            <a:spAutoFit/>
+          </a:bodyPr>
+          <a:lstStyle/>
+          <a:p>
+            <a:r>
+              <a:rPr lang="en-US" altLang="zh-CN" sz="1200" dirty="0">
+                <a:latin typeface="UbuntuMono Nerd Font" panose="020B0509030602030204" pitchFamily="49" charset="0"/>
+              </a:rPr>
+              <a:t>0x70</a:t>
+            </a:r>
+            <a:endParaRPr lang="zh-CN" altLang="en-US" sz="1200" dirty="0">
+              <a:latin typeface="UbuntuMono Nerd Font" panose="020B0509030602030204" pitchFamily="49" charset="0"/>
+            </a:endParaRPr>
+          </a:p>
+        </p:txBody>
+      </p:sp>
+      <p:sp>
+        <p:nvSpPr>
+          <p:cNvPr id="30" name="文本框 29">
+            <a:extLst>
+              <a:ext uri="{FF2B5EF4-FFF2-40B4-BE49-F238E27FC236}">
+                <a16:creationId xmlns:a16="http://schemas.microsoft.com/office/drawing/2014/main" id="{46754BA7-C706-B8A2-8930-C87437DCFF2F}"/>
+              </a:ext>
+            </a:extLst>
+          </p:cNvPr>
+          <p:cNvSpPr txBox="1"/>
+          <p:nvPr/>
+        </p:nvSpPr>
+        <p:spPr>
+          <a:xfrm flipH="1">
+            <a:off x="3442458" y="760991"/>
+            <a:ext cx="498549" cy="276998"/>
+          </a:xfrm>
+          <a:prstGeom prst="rect">
+            <a:avLst/>
+          </a:prstGeom>
+          <a:noFill/>
+        </p:spPr>
+        <p:txBody>
+          <a:bodyPr wrap="square" rtlCol="0">
+            <a:spAutoFit/>
+          </a:bodyPr>
+          <a:lstStyle/>
+          <a:p>
+            <a:r>
+              <a:rPr lang="en-US" altLang="zh-CN" sz="1200" dirty="0">
+                <a:latin typeface="UbuntuMono Nerd Font" panose="020B0509030602030204" pitchFamily="49" charset="0"/>
+              </a:rPr>
+              <a:t>0x78</a:t>
+            </a:r>
+            <a:endParaRPr lang="zh-CN" altLang="en-US" sz="1200" dirty="0">
+              <a:latin typeface="UbuntuMono Nerd Font" panose="020B0509030602030204" pitchFamily="49" charset="0"/>
+            </a:endParaRPr>
+          </a:p>
+        </p:txBody>
+      </p:sp>
+      <p:sp>
+        <p:nvSpPr>
+          <p:cNvPr id="31" name="文本框 30">
+            <a:extLst>
+              <a:ext uri="{FF2B5EF4-FFF2-40B4-BE49-F238E27FC236}">
+                <a16:creationId xmlns:a16="http://schemas.microsoft.com/office/drawing/2014/main" id="{255D787D-3715-FC31-EB07-EFAEF741AE7E}"/>
+              </a:ext>
+            </a:extLst>
+          </p:cNvPr>
+          <p:cNvSpPr txBox="1"/>
+          <p:nvPr/>
+        </p:nvSpPr>
+        <p:spPr>
+          <a:xfrm flipH="1">
+            <a:off x="7532103" y="3099497"/>
+            <a:ext cx="1125001" cy="287809"/>
+          </a:xfrm>
+          <a:prstGeom prst="rect">
+            <a:avLst/>
+          </a:prstGeom>
+          <a:noFill/>
+        </p:spPr>
+        <p:txBody>
+          <a:bodyPr wrap="square" rtlCol="0">
+            <a:spAutoFit/>
+          </a:bodyPr>
+          <a:lstStyle/>
+          <a:p>
+            <a:r>
+              <a:rPr lang="en-US" altLang="zh-CN" sz="1200" dirty="0">
+                <a:latin typeface="UbuntuMono Nerd Font" panose="020B0509030602030204" pitchFamily="49" charset="0"/>
+              </a:rPr>
+              <a:t>offset == ??</a:t>
+            </a:r>
+            <a:endParaRPr lang="pl-PL" altLang="zh-CN" sz="1200" dirty="0">
+              <a:latin typeface="UbuntuMono Nerd Font" panose="020B0509030602030204" pitchFamily="49" charset="0"/>
+            </a:endParaRPr>
+          </a:p>
+        </p:txBody>
+      </p:sp>
+      <p:sp>
+        <p:nvSpPr>
+          <p:cNvPr id="32" name="文本框 31">
+            <a:extLst>
+              <a:ext uri="{FF2B5EF4-FFF2-40B4-BE49-F238E27FC236}">
+                <a16:creationId xmlns:a16="http://schemas.microsoft.com/office/drawing/2014/main" id="{DC63A6BD-E69A-51B1-B4CD-526B1A63F9B6}"/>
+              </a:ext>
+            </a:extLst>
+          </p:cNvPr>
+          <p:cNvSpPr txBox="1"/>
+          <p:nvPr/>
+        </p:nvSpPr>
+        <p:spPr>
+          <a:xfrm flipH="1">
+            <a:off x="7532105" y="3460723"/>
+            <a:ext cx="1125001" cy="287809"/>
+          </a:xfrm>
+          <a:prstGeom prst="rect">
+            <a:avLst/>
+          </a:prstGeom>
+          <a:noFill/>
+        </p:spPr>
+        <p:txBody>
+          <a:bodyPr wrap="square" rtlCol="0">
+            <a:spAutoFit/>
+          </a:bodyPr>
+          <a:lstStyle/>
+          <a:p>
+            <a:r>
+              <a:rPr lang="en-US" altLang="zh-CN" sz="1200" dirty="0">
+                <a:latin typeface="UbuntuMono Nerd Font" panose="020B0509030602030204" pitchFamily="49" charset="0"/>
+              </a:rPr>
+              <a:t>0x4019ab</a:t>
+            </a:r>
+            <a:endParaRPr lang="pl-PL" altLang="zh-CN" sz="1200" dirty="0">
+              <a:latin typeface="UbuntuMono Nerd Font" panose="020B0509030602030204" pitchFamily="49" charset="0"/>
+            </a:endParaRPr>
+          </a:p>
+        </p:txBody>
+      </p:sp>
+      <p:sp>
+        <p:nvSpPr>
+          <p:cNvPr id="39" name="矩形 38">
+            <a:extLst>
+              <a:ext uri="{FF2B5EF4-FFF2-40B4-BE49-F238E27FC236}">
+                <a16:creationId xmlns:a16="http://schemas.microsoft.com/office/drawing/2014/main" id="{9BF0B8F0-08B6-932B-440A-4FD204348E33}"/>
+              </a:ext>
+            </a:extLst>
+          </p:cNvPr>
+          <p:cNvSpPr/>
+          <p:nvPr/>
+        </p:nvSpPr>
+        <p:spPr>
+          <a:xfrm>
+            <a:off x="3933075" y="529871"/>
+            <a:ext cx="3600003" cy="365050"/>
+          </a:xfrm>
+          <a:prstGeom prst="rect">
+            <a:avLst/>
+          </a:prstGeom>
+          <a:solidFill>
+            <a:schemeClr val="accent5">
+              <a:lumMod val="40000"/>
+              <a:lumOff val="60000"/>
+            </a:schemeClr>
+          </a:solidFill>
+          <a:ln>
+            <a:noFill/>
+          </a:ln>
+        </p:spPr>
+        <p:style>
+          <a:lnRef idx="2">
+            <a:schemeClr val="accent1">
+              <a:shade val="15000"/>
+            </a:schemeClr>
+          </a:lnRef>
+          <a:fillRef idx="1">
+            <a:schemeClr val="accent1"/>
+          </a:fillRef>
+          <a:effectRef idx="0">
+            <a:schemeClr val="accent1"/>
+          </a:effectRef>
+          <a:fontRef idx="minor">
+            <a:schemeClr val="lt1"/>
+          </a:fontRef>
+        </p:style>
+        <p:txBody>
+          <a:bodyPr rtlCol="0" anchor="ctr"/>
+          <a:lstStyle/>
+          <a:p>
+            <a:pPr algn="ctr"/>
+            <a:r>
+              <a:rPr lang="en-US" altLang="zh-CN" sz="1200" dirty="0">
+                <a:solidFill>
+                  <a:schemeClr val="tx1"/>
+                </a:solidFill>
+                <a:latin typeface="UbuntuMono Nerd Font" panose="020B0509030602030204" pitchFamily="49" charset="0"/>
+              </a:rPr>
+              <a:t>cookie</a:t>
+            </a:r>
+            <a:endParaRPr lang="zh-CN" altLang="en-US" sz="1200" dirty="0">
+              <a:solidFill>
+                <a:schemeClr val="tx1"/>
+              </a:solidFill>
+              <a:latin typeface="UbuntuMono Nerd Font" panose="020B0509030602030204" pitchFamily="49" charset="0"/>
+            </a:endParaRPr>
+          </a:p>
+        </p:txBody>
+      </p:sp>
+      <p:sp>
+        <p:nvSpPr>
+          <p:cNvPr id="45" name="文本框 44">
+            <a:extLst>
+              <a:ext uri="{FF2B5EF4-FFF2-40B4-BE49-F238E27FC236}">
+                <a16:creationId xmlns:a16="http://schemas.microsoft.com/office/drawing/2014/main" id="{A76A6008-499C-06D5-92A3-2450F94150D0}"/>
+              </a:ext>
+            </a:extLst>
+          </p:cNvPr>
+          <p:cNvSpPr txBox="1"/>
+          <p:nvPr/>
+        </p:nvSpPr>
+        <p:spPr>
+          <a:xfrm flipH="1">
+            <a:off x="7532105" y="2746277"/>
+            <a:ext cx="900001" cy="276998"/>
+          </a:xfrm>
+          <a:prstGeom prst="rect">
+            <a:avLst/>
+          </a:prstGeom>
+          <a:noFill/>
+        </p:spPr>
+        <p:txBody>
+          <a:bodyPr wrap="square" rtlCol="0">
+            <a:spAutoFit/>
+          </a:bodyPr>
+          <a:lstStyle/>
+          <a:p>
+            <a:r>
+              <a:rPr lang="en-US" altLang="zh-CN" sz="1200" dirty="0">
+                <a:latin typeface="UbuntuMono Nerd Font" panose="020B0509030602030204" pitchFamily="49" charset="0"/>
+              </a:rPr>
+              <a:t>0x4019dd</a:t>
+            </a:r>
+            <a:endParaRPr lang="pl-PL" altLang="zh-CN" sz="1200" dirty="0">
+              <a:latin typeface="UbuntuMono Nerd Font" panose="020B0509030602030204" pitchFamily="49" charset="0"/>
+            </a:endParaRPr>
+          </a:p>
+        </p:txBody>
+      </p:sp>
+      <p:sp>
+        <p:nvSpPr>
+          <p:cNvPr id="51" name="文本框 50">
+            <a:extLst>
+              <a:ext uri="{FF2B5EF4-FFF2-40B4-BE49-F238E27FC236}">
+                <a16:creationId xmlns:a16="http://schemas.microsoft.com/office/drawing/2014/main" id="{61ABB740-8F8C-9B4A-427E-FCA55FB69BE5}"/>
+              </a:ext>
+            </a:extLst>
+          </p:cNvPr>
+          <p:cNvSpPr txBox="1"/>
+          <p:nvPr/>
+        </p:nvSpPr>
+        <p:spPr>
+          <a:xfrm flipH="1">
+            <a:off x="7532104" y="2380077"/>
+            <a:ext cx="1125001" cy="287809"/>
+          </a:xfrm>
+          <a:prstGeom prst="rect">
+            <a:avLst/>
+          </a:prstGeom>
+          <a:noFill/>
+        </p:spPr>
+        <p:txBody>
+          <a:bodyPr wrap="square" rtlCol="0">
+            <a:spAutoFit/>
+          </a:bodyPr>
+          <a:lstStyle/>
+          <a:p>
+            <a:r>
+              <a:rPr lang="en-US" altLang="zh-CN" sz="1200" dirty="0">
+                <a:latin typeface="UbuntuMono Nerd Font" panose="020B0509030602030204" pitchFamily="49" charset="0"/>
+              </a:rPr>
+              <a:t>0x401a34</a:t>
+            </a:r>
+            <a:endParaRPr lang="pl-PL" altLang="zh-CN" sz="1200" dirty="0">
+              <a:latin typeface="UbuntuMono Nerd Font" panose="020B0509030602030204" pitchFamily="49" charset="0"/>
+            </a:endParaRPr>
+          </a:p>
+        </p:txBody>
+      </p:sp>
+      <p:sp>
+        <p:nvSpPr>
+          <p:cNvPr id="52" name="文本框 51">
+            <a:extLst>
+              <a:ext uri="{FF2B5EF4-FFF2-40B4-BE49-F238E27FC236}">
+                <a16:creationId xmlns:a16="http://schemas.microsoft.com/office/drawing/2014/main" id="{9361336A-69C3-D2E8-9B9A-F170F09D13A7}"/>
+              </a:ext>
+            </a:extLst>
+          </p:cNvPr>
+          <p:cNvSpPr txBox="1"/>
+          <p:nvPr/>
+        </p:nvSpPr>
+        <p:spPr>
+          <a:xfrm flipH="1">
+            <a:off x="7536000" y="2024489"/>
+            <a:ext cx="1125001" cy="287809"/>
+          </a:xfrm>
+          <a:prstGeom prst="rect">
+            <a:avLst/>
+          </a:prstGeom>
+          <a:noFill/>
+        </p:spPr>
+        <p:txBody>
+          <a:bodyPr wrap="square" rtlCol="0">
+            <a:spAutoFit/>
+          </a:bodyPr>
+          <a:lstStyle/>
+          <a:p>
+            <a:r>
+              <a:rPr lang="en-US" altLang="zh-CN" sz="1200" dirty="0">
+                <a:latin typeface="UbuntuMono Nerd Font" panose="020B0509030602030204" pitchFamily="49" charset="0"/>
+              </a:rPr>
+              <a:t>0x401a27</a:t>
+            </a:r>
+            <a:endParaRPr lang="pl-PL" altLang="zh-CN" sz="1200" dirty="0">
+              <a:latin typeface="UbuntuMono Nerd Font" panose="020B0509030602030204" pitchFamily="49" charset="0"/>
+            </a:endParaRPr>
+          </a:p>
+        </p:txBody>
+      </p:sp>
+      <p:sp>
+        <p:nvSpPr>
+          <p:cNvPr id="53" name="文本框 52">
+            <a:extLst>
+              <a:ext uri="{FF2B5EF4-FFF2-40B4-BE49-F238E27FC236}">
+                <a16:creationId xmlns:a16="http://schemas.microsoft.com/office/drawing/2014/main" id="{00D69C80-CC4A-BB1C-6EDB-30DDB5270939}"/>
+              </a:ext>
+            </a:extLst>
+          </p:cNvPr>
+          <p:cNvSpPr txBox="1"/>
+          <p:nvPr/>
+        </p:nvSpPr>
+        <p:spPr>
+          <a:xfrm flipH="1">
+            <a:off x="7532103" y="1667471"/>
+            <a:ext cx="900001" cy="276998"/>
+          </a:xfrm>
+          <a:prstGeom prst="rect">
+            <a:avLst/>
+          </a:prstGeom>
+          <a:noFill/>
+        </p:spPr>
+        <p:txBody>
+          <a:bodyPr wrap="square" rtlCol="0">
+            <a:spAutoFit/>
+          </a:bodyPr>
+          <a:lstStyle/>
+          <a:p>
+            <a:r>
+              <a:rPr lang="en-US" altLang="zh-CN" sz="1200" dirty="0">
+                <a:latin typeface="UbuntuMono Nerd Font" panose="020B0509030602030204" pitchFamily="49" charset="0"/>
+              </a:rPr>
+              <a:t>0x4019d6</a:t>
+            </a:r>
+            <a:endParaRPr lang="pl-PL" altLang="zh-CN" sz="1200" dirty="0">
+              <a:latin typeface="UbuntuMono Nerd Font" panose="020B0509030602030204" pitchFamily="49" charset="0"/>
+            </a:endParaRPr>
+          </a:p>
+        </p:txBody>
+      </p:sp>
+      <p:sp>
+        <p:nvSpPr>
+          <p:cNvPr id="54" name="文本框 53">
+            <a:extLst>
+              <a:ext uri="{FF2B5EF4-FFF2-40B4-BE49-F238E27FC236}">
+                <a16:creationId xmlns:a16="http://schemas.microsoft.com/office/drawing/2014/main" id="{74739094-C8FB-5FB1-6016-D3B0EB1646C1}"/>
+              </a:ext>
+            </a:extLst>
+          </p:cNvPr>
+          <p:cNvSpPr txBox="1"/>
+          <p:nvPr/>
+        </p:nvSpPr>
+        <p:spPr>
+          <a:xfrm flipH="1">
+            <a:off x="7533465" y="1294144"/>
+            <a:ext cx="1125001" cy="287809"/>
+          </a:xfrm>
+          <a:prstGeom prst="rect">
+            <a:avLst/>
+          </a:prstGeom>
+          <a:noFill/>
+        </p:spPr>
+        <p:txBody>
+          <a:bodyPr wrap="square" rtlCol="0">
+            <a:spAutoFit/>
+          </a:bodyPr>
+          <a:lstStyle/>
+          <a:p>
+            <a:r>
+              <a:rPr lang="en-US" altLang="zh-CN" sz="1200" dirty="0">
+                <a:latin typeface="UbuntuMono Nerd Font" panose="020B0509030602030204" pitchFamily="49" charset="0"/>
+              </a:rPr>
+              <a:t>0x4019a2</a:t>
+            </a:r>
+            <a:endParaRPr lang="pl-PL" altLang="zh-CN" sz="1200" dirty="0">
+              <a:latin typeface="UbuntuMono Nerd Font" panose="020B0509030602030204" pitchFamily="49" charset="0"/>
+            </a:endParaRPr>
+          </a:p>
+        </p:txBody>
+      </p:sp>
+      <p:sp>
+        <p:nvSpPr>
+          <p:cNvPr id="55" name="文本框 54">
+            <a:extLst>
+              <a:ext uri="{FF2B5EF4-FFF2-40B4-BE49-F238E27FC236}">
+                <a16:creationId xmlns:a16="http://schemas.microsoft.com/office/drawing/2014/main" id="{7F794EF4-BA28-5EC5-5F7D-0FF0E4152E34}"/>
+              </a:ext>
+            </a:extLst>
+          </p:cNvPr>
+          <p:cNvSpPr txBox="1"/>
+          <p:nvPr/>
+        </p:nvSpPr>
+        <p:spPr>
+          <a:xfrm flipH="1">
+            <a:off x="7532103" y="928972"/>
+            <a:ext cx="1125001" cy="287809"/>
+          </a:xfrm>
+          <a:prstGeom prst="rect">
+            <a:avLst/>
+          </a:prstGeom>
+          <a:noFill/>
+        </p:spPr>
+        <p:txBody>
+          <a:bodyPr wrap="square" rtlCol="0">
+            <a:spAutoFit/>
+          </a:bodyPr>
+          <a:lstStyle/>
+          <a:p>
+            <a:r>
+              <a:rPr lang="en-US" altLang="zh-CN" sz="1200" dirty="0">
+                <a:latin typeface="UbuntuMono Nerd Font" panose="020B0509030602030204" pitchFamily="49" charset="0"/>
+              </a:rPr>
+              <a:t>0x4018fa</a:t>
+            </a:r>
+            <a:endParaRPr lang="pl-PL" altLang="zh-CN" sz="1200" dirty="0">
+              <a:latin typeface="UbuntuMono Nerd Font" panose="020B0509030602030204" pitchFamily="49" charset="0"/>
+            </a:endParaRPr>
+          </a:p>
+        </p:txBody>
+      </p:sp>
+      <p:sp>
+        <p:nvSpPr>
+          <p:cNvPr id="56" name="文本框 55">
+            <a:extLst>
+              <a:ext uri="{FF2B5EF4-FFF2-40B4-BE49-F238E27FC236}">
+                <a16:creationId xmlns:a16="http://schemas.microsoft.com/office/drawing/2014/main" id="{C7FDB610-5AE8-BD57-DEA4-EBB643D85AD9}"/>
+              </a:ext>
+            </a:extLst>
+          </p:cNvPr>
+          <p:cNvSpPr txBox="1"/>
+          <p:nvPr/>
+        </p:nvSpPr>
+        <p:spPr>
+          <a:xfrm flipH="1">
+            <a:off x="7572273" y="568491"/>
+            <a:ext cx="2168726" cy="276999"/>
+          </a:xfrm>
+          <a:prstGeom prst="rect">
+            <a:avLst/>
+          </a:prstGeom>
+          <a:noFill/>
+        </p:spPr>
+        <p:txBody>
+          <a:bodyPr wrap="square" rtlCol="0">
+            <a:spAutoFit/>
+          </a:bodyPr>
+          <a:lstStyle/>
+          <a:p>
+            <a:r>
+              <a:rPr lang="en-US" altLang="zh-CN" sz="1200" dirty="0">
+                <a:latin typeface="UbuntuMono Nerd Font" panose="020B0509030602030204" pitchFamily="49" charset="0"/>
+              </a:rPr>
+              <a:t>35 39 62 39 39 37 66 61</a:t>
+            </a:r>
+            <a:endParaRPr lang="pl-PL" altLang="zh-CN" sz="1200" dirty="0">
+              <a:latin typeface="UbuntuMono Nerd Font" panose="020B0509030602030204" pitchFamily="49" charset="0"/>
+            </a:endParaRPr>
+          </a:p>
+        </p:txBody>
+      </p:sp>
+    </p:spTree>
+    <p:extLst>
+      <p:ext uri="{BB962C8B-B14F-4D97-AF65-F5344CB8AC3E}">
+        <p14:creationId xmlns:p14="http://schemas.microsoft.com/office/powerpoint/2010/main" val="32946285"/>
       </p:ext>
     </p:extLst>
   </p:cSld>
